--- a/Presentation.pptx
+++ b/Presentation.pptx
@@ -13,13 +13,24 @@
     <p:sldId id="264" r:id="rId7"/>
     <p:sldId id="265" r:id="rId8"/>
     <p:sldId id="266" r:id="rId9"/>
-    <p:sldId id="267" r:id="rId10"/>
-    <p:sldId id="260" r:id="rId11"/>
-    <p:sldId id="268" r:id="rId12"/>
-    <p:sldId id="258" r:id="rId13"/>
-    <p:sldId id="269" r:id="rId14"/>
-    <p:sldId id="270" r:id="rId15"/>
-    <p:sldId id="259" r:id="rId16"/>
+    <p:sldId id="273" r:id="rId10"/>
+    <p:sldId id="267" r:id="rId11"/>
+    <p:sldId id="271" r:id="rId12"/>
+    <p:sldId id="272" r:id="rId13"/>
+    <p:sldId id="274" r:id="rId14"/>
+    <p:sldId id="275" r:id="rId15"/>
+    <p:sldId id="276" r:id="rId16"/>
+    <p:sldId id="277" r:id="rId17"/>
+    <p:sldId id="279" r:id="rId18"/>
+    <p:sldId id="278" r:id="rId19"/>
+    <p:sldId id="280" r:id="rId20"/>
+    <p:sldId id="281" r:id="rId21"/>
+    <p:sldId id="260" r:id="rId22"/>
+    <p:sldId id="268" r:id="rId23"/>
+    <p:sldId id="258" r:id="rId24"/>
+    <p:sldId id="269" r:id="rId25"/>
+    <p:sldId id="270" r:id="rId26"/>
+    <p:sldId id="259" r:id="rId27"/>
   </p:sldIdLst>
   <p:sldSz cx="12192000" cy="6858000"/>
   <p:notesSz cx="6858000" cy="9144000"/>
@@ -3744,128 +3755,143 @@
       </p:grpSpPr>
       <p:sp>
         <p:nvSpPr>
-          <p:cNvPr id="2" name="Title 1">
-            <a:extLst>
-              <a:ext uri="{FF2B5EF4-FFF2-40B4-BE49-F238E27FC236}">
-                <a16:creationId xmlns:a16="http://schemas.microsoft.com/office/drawing/2014/main" id="{00CF816A-99D2-8366-5D03-5486DF4070DF}"/>
-              </a:ext>
-            </a:extLst>
-          </p:cNvPr>
-          <p:cNvSpPr>
-            <a:spLocks noGrp="1"/>
-          </p:cNvSpPr>
-          <p:nvPr>
-            <p:ph type="title"/>
-          </p:nvPr>
-        </p:nvSpPr>
-        <p:spPr/>
-        <p:txBody>
-          <a:bodyPr/>
+          <p:cNvPr id="5" name="Rectangle 4">
+            <a:extLst>
+              <a:ext uri="{FF2B5EF4-FFF2-40B4-BE49-F238E27FC236}">
+                <a16:creationId xmlns:a16="http://schemas.microsoft.com/office/drawing/2014/main" id="{8E72B5E6-4395-58B4-43D8-FE408C5586FF}"/>
+              </a:ext>
+            </a:extLst>
+          </p:cNvPr>
+          <p:cNvSpPr/>
+          <p:nvPr/>
+        </p:nvSpPr>
+        <p:spPr>
+          <a:xfrm>
+            <a:off x="0" y="2305"/>
+            <a:ext cx="12223669" cy="6855695"/>
+          </a:xfrm>
+          <a:prstGeom prst="rect">
+            <a:avLst/>
+          </a:prstGeom>
+          <a:solidFill>
+            <a:schemeClr val="tx1"/>
+          </a:solidFill>
+          <a:ln>
+            <a:noFill/>
+          </a:ln>
+        </p:spPr>
+        <p:style>
+          <a:lnRef idx="2">
+            <a:schemeClr val="accent1">
+              <a:shade val="50000"/>
+            </a:schemeClr>
+          </a:lnRef>
+          <a:fillRef idx="1">
+            <a:schemeClr val="accent1"/>
+          </a:fillRef>
+          <a:effectRef idx="0">
+            <a:schemeClr val="accent1"/>
+          </a:effectRef>
+          <a:fontRef idx="minor">
+            <a:schemeClr val="lt1"/>
+          </a:fontRef>
+        </p:style>
+        <p:txBody>
+          <a:bodyPr rtlCol="0" anchor="ctr"/>
           <a:lstStyle/>
           <a:p>
             <a:pPr algn="ctr"/>
             <a:r>
               <a:rPr lang="en-US" dirty="0"/>
+              <a:t>7:29:03</a:t>
+            </a:r>
+          </a:p>
+          <a:p>
+            <a:pPr algn="ctr"/>
+            <a:r>
+              <a:rPr lang="en-US" dirty="0" err="1"/>
+              <a:t>npm</a:t>
+            </a:r>
+            <a:r>
+              <a:rPr lang="en-US" dirty="0"/>
               <a:t> </a:t>
             </a:r>
-          </a:p>
-        </p:txBody>
-      </p:sp>
-      <p:sp>
-        <p:nvSpPr>
-          <p:cNvPr id="3" name="Content Placeholder 2">
-            <a:extLst>
-              <a:ext uri="{FF2B5EF4-FFF2-40B4-BE49-F238E27FC236}">
-                <a16:creationId xmlns:a16="http://schemas.microsoft.com/office/drawing/2014/main" id="{FC5462E9-F99B-2D41-35ED-403C090C9698}"/>
-              </a:ext>
-            </a:extLst>
-          </p:cNvPr>
-          <p:cNvSpPr>
-            <a:spLocks noGrp="1"/>
-          </p:cNvSpPr>
-          <p:nvPr>
-            <p:ph idx="1"/>
-          </p:nvPr>
-        </p:nvSpPr>
-        <p:spPr>
-          <a:xfrm>
-            <a:off x="914399" y="1371600"/>
-            <a:ext cx="10363200" cy="4570229"/>
-          </a:xfrm>
-        </p:spPr>
-        <p:txBody>
-          <a:bodyPr/>
-          <a:lstStyle/>
-          <a:p>
-            <a:r>
-              <a:rPr lang="en-US" dirty="0"/>
-              <a:t>Dungeons is a web-based application modeled off the popular board game “Dungeons &amp; Dragons”.</a:t>
-            </a:r>
-          </a:p>
-          <a:p>
-            <a:r>
-              <a:rPr lang="en-US" dirty="0"/>
-              <a:t>The game prompts the user for an input of a story that the game will be based around moving forwards.</a:t>
-            </a:r>
-          </a:p>
-          <a:p>
-            <a:r>
-              <a:rPr lang="en-US" dirty="0"/>
-              <a:t>Your </a:t>
-            </a:r>
-            <a:r>
-              <a:rPr lang="en-US" b="1" dirty="0"/>
-              <a:t>skills</a:t>
-            </a:r>
-            <a:r>
-              <a:rPr lang="en-US" dirty="0"/>
-              <a:t>, </a:t>
-            </a:r>
-            <a:r>
-              <a:rPr lang="en-US" b="1" dirty="0"/>
-              <a:t>health</a:t>
-            </a:r>
-            <a:r>
-              <a:rPr lang="en-US" dirty="0"/>
-              <a:t>, and </a:t>
-            </a:r>
-            <a:r>
-              <a:rPr lang="en-US" b="1" dirty="0"/>
-              <a:t>enemies</a:t>
-            </a:r>
-            <a:r>
-              <a:rPr lang="en-US" dirty="0"/>
-              <a:t> are then generated within our application.</a:t>
-            </a:r>
-          </a:p>
-          <a:p>
-            <a:r>
-              <a:rPr lang="en-US" dirty="0"/>
-              <a:t>You are presented by enemy after enemy and are given the ability to either </a:t>
-            </a:r>
-            <a:r>
-              <a:rPr lang="en-US" b="1" dirty="0"/>
-              <a:t>attack</a:t>
-            </a:r>
-            <a:r>
-              <a:rPr lang="en-US" dirty="0"/>
-              <a:t>, </a:t>
-            </a:r>
-            <a:r>
-              <a:rPr lang="en-US" b="1" dirty="0"/>
-              <a:t>negotiate</a:t>
-            </a:r>
-            <a:r>
-              <a:rPr lang="en-US" dirty="0"/>
-              <a:t>, or </a:t>
-            </a:r>
-            <a:r>
-              <a:rPr lang="en-US" b="1" dirty="0"/>
-              <a:t>retreat</a:t>
-            </a:r>
-            <a:r>
-              <a:rPr lang="en-US" dirty="0"/>
-              <a:t>.</a:t>
+            <a:r>
+              <a:rPr lang="en-US" dirty="0">
+                <a:effectLst/>
+                <a:highlight>
+                  <a:srgbClr val="FF0000"/>
+                </a:highlight>
+                <a:latin typeface="inherit"/>
+              </a:rPr>
+              <a:t>ERR</a:t>
+            </a:r>
+            <a:r>
+              <a:rPr lang="en-US" dirty="0">
+                <a:highlight>
+                  <a:srgbClr val="FF0000"/>
+                </a:highlight>
+              </a:rPr>
+              <a:t>!</a:t>
+            </a:r>
+            <a:r>
+              <a:rPr lang="en-US" dirty="0"/>
+              <a:t> **</a:t>
+            </a:r>
+            <a:r>
+              <a:rPr lang="en-US" dirty="0">
+                <a:effectLst/>
+                <a:latin typeface="inherit"/>
+              </a:rPr>
+              <a:t>Unexpected</a:t>
+            </a:r>
+            <a:r>
+              <a:rPr lang="en-US" dirty="0"/>
+              <a:t> end </a:t>
+            </a:r>
+            <a:r>
+              <a:rPr lang="en-US" dirty="0">
+                <a:effectLst/>
+                <a:latin typeface="inherit"/>
+              </a:rPr>
+              <a:t>of</a:t>
+            </a:r>
+            <a:r>
+              <a:rPr lang="en-US" dirty="0"/>
+              <a:t> </a:t>
+            </a:r>
+            <a:r>
+              <a:rPr lang="en-US" dirty="0">
+                <a:effectLst/>
+                <a:latin typeface="inherit"/>
+              </a:rPr>
+              <a:t>JSON</a:t>
+            </a:r>
+            <a:r>
+              <a:rPr lang="en-US" dirty="0"/>
+              <a:t> input </a:t>
+            </a:r>
+            <a:r>
+              <a:rPr lang="en-US" dirty="0">
+                <a:effectLst/>
+                <a:latin typeface="inherit"/>
+              </a:rPr>
+              <a:t>while</a:t>
+            </a:r>
+            <a:r>
+              <a:rPr lang="en-US" dirty="0"/>
+              <a:t> parsing near </a:t>
+            </a:r>
+            <a:r>
+              <a:rPr lang="en-US" dirty="0">
+                <a:effectLst/>
+                <a:latin typeface="inherit"/>
+              </a:rPr>
+              <a:t>'...nt-webpack-plugin":"0'</a:t>
+            </a:r>
+            <a:r>
+              <a:rPr lang="en-US" dirty="0"/>
+              <a:t>**</a:t>
             </a:r>
           </a:p>
         </p:txBody>
@@ -3873,7 +3899,7 @@
     </p:spTree>
     <p:extLst>
       <p:ext uri="{BB962C8B-B14F-4D97-AF65-F5344CB8AC3E}">
-        <p14:creationId xmlns:p14="http://schemas.microsoft.com/office/powerpoint/2010/main" val="3920809854"/>
+        <p14:creationId xmlns:p14="http://schemas.microsoft.com/office/powerpoint/2010/main" val="2074318223"/>
       </p:ext>
     </p:extLst>
   </p:cSld>
@@ -3902,102 +3928,133 @@
       </p:grpSpPr>
       <p:sp>
         <p:nvSpPr>
-          <p:cNvPr id="2" name="Title 1">
-            <a:extLst>
-              <a:ext uri="{FF2B5EF4-FFF2-40B4-BE49-F238E27FC236}">
-                <a16:creationId xmlns:a16="http://schemas.microsoft.com/office/drawing/2014/main" id="{9F365A0C-02CC-00B8-DD44-D6AB63E63141}"/>
-              </a:ext>
-            </a:extLst>
-          </p:cNvPr>
-          <p:cNvSpPr>
-            <a:spLocks noGrp="1"/>
-          </p:cNvSpPr>
-          <p:nvPr>
-            <p:ph type="title"/>
-          </p:nvPr>
-        </p:nvSpPr>
-        <p:spPr/>
-        <p:txBody>
-          <a:bodyPr/>
-          <a:lstStyle/>
-          <a:p>
-            <a:r>
-              <a:rPr lang="en-US" dirty="0"/>
-              <a:t>TECHNOLOGIES USED</a:t>
-            </a:r>
-          </a:p>
-        </p:txBody>
-      </p:sp>
-      <p:sp>
-        <p:nvSpPr>
-          <p:cNvPr id="3" name="Content Placeholder 2">
-            <a:extLst>
-              <a:ext uri="{FF2B5EF4-FFF2-40B4-BE49-F238E27FC236}">
-                <a16:creationId xmlns:a16="http://schemas.microsoft.com/office/drawing/2014/main" id="{5871E551-3C0E-E3A5-8BB1-8DB86CB1A54C}"/>
-              </a:ext>
-            </a:extLst>
-          </p:cNvPr>
-          <p:cNvSpPr>
-            <a:spLocks noGrp="1"/>
-          </p:cNvSpPr>
-          <p:nvPr>
-            <p:ph idx="1"/>
-          </p:nvPr>
-        </p:nvSpPr>
-        <p:spPr/>
-        <p:txBody>
-          <a:bodyPr/>
-          <a:lstStyle/>
-          <a:p>
-            <a:r>
-              <a:rPr lang="en-US" dirty="0"/>
-              <a:t>JAVASCRIPT/HTML/CSS</a:t>
-            </a:r>
-          </a:p>
-          <a:p>
-            <a:r>
-              <a:rPr lang="en-US" dirty="0"/>
-              <a:t>REACT.JS</a:t>
-            </a:r>
-          </a:p>
-          <a:p>
-            <a:r>
-              <a:rPr lang="en-US" dirty="0"/>
-              <a:t>NODE.JS</a:t>
-            </a:r>
-          </a:p>
-          <a:p>
-            <a:r>
-              <a:rPr lang="en-US" dirty="0"/>
-              <a:t>NLP( Natural language Processing )</a:t>
-            </a:r>
-          </a:p>
-          <a:p>
-            <a:r>
-              <a:rPr lang="en-US" dirty="0"/>
-              <a:t>GIT/GITHUB( Project </a:t>
-            </a:r>
-            <a:r>
-              <a:rPr lang="en-US" dirty="0" err="1"/>
-              <a:t>Orginization</a:t>
-            </a:r>
-            <a:r>
-              <a:rPr lang="en-US" dirty="0"/>
-              <a:t>/ Collaboration)</a:t>
-            </a:r>
-          </a:p>
-          <a:p>
-            <a:endParaRPr lang="en-US" dirty="0"/>
-          </a:p>
-          <a:p>
-            <a:endParaRPr lang="en-US" dirty="0"/>
+          <p:cNvPr id="5" name="Rectangle 4">
+            <a:extLst>
+              <a:ext uri="{FF2B5EF4-FFF2-40B4-BE49-F238E27FC236}">
+                <a16:creationId xmlns:a16="http://schemas.microsoft.com/office/drawing/2014/main" id="{8E72B5E6-4395-58B4-43D8-FE408C5586FF}"/>
+              </a:ext>
+            </a:extLst>
+          </p:cNvPr>
+          <p:cNvSpPr/>
+          <p:nvPr/>
+        </p:nvSpPr>
+        <p:spPr>
+          <a:xfrm>
+            <a:off x="0" y="2305"/>
+            <a:ext cx="12223669" cy="6855695"/>
+          </a:xfrm>
+          <a:prstGeom prst="rect">
+            <a:avLst/>
+          </a:prstGeom>
+          <a:solidFill>
+            <a:schemeClr val="tx1"/>
+          </a:solidFill>
+          <a:ln>
+            <a:noFill/>
+          </a:ln>
+        </p:spPr>
+        <p:style>
+          <a:lnRef idx="2">
+            <a:schemeClr val="accent1">
+              <a:shade val="50000"/>
+            </a:schemeClr>
+          </a:lnRef>
+          <a:fillRef idx="1">
+            <a:schemeClr val="accent1"/>
+          </a:fillRef>
+          <a:effectRef idx="0">
+            <a:schemeClr val="accent1"/>
+          </a:effectRef>
+          <a:fontRef idx="minor">
+            <a:schemeClr val="lt1"/>
+          </a:fontRef>
+        </p:style>
+        <p:txBody>
+          <a:bodyPr rtlCol="0" anchor="ctr"/>
+          <a:lstStyle/>
+          <a:p>
+            <a:pPr algn="ctr"/>
+            <a:r>
+              <a:rPr lang="en-US" dirty="0"/>
+              <a:t>8:45:00</a:t>
+            </a:r>
+          </a:p>
+          <a:p>
+            <a:pPr algn="ctr"/>
+            <a:r>
+              <a:rPr lang="en-US" dirty="0" err="1">
+                <a:highlight>
+                  <a:srgbClr val="FF0000"/>
+                </a:highlight>
+              </a:rPr>
+              <a:t>NameError</a:t>
+            </a:r>
+            <a:r>
+              <a:rPr lang="en-US" dirty="0">
+                <a:highlight>
+                  <a:srgbClr val="FF0000"/>
+                </a:highlight>
+              </a:rPr>
+              <a:t>:</a:t>
+            </a:r>
+            <a:r>
+              <a:rPr lang="en-US" dirty="0"/>
+              <a:t> name </a:t>
+            </a:r>
+            <a:r>
+              <a:rPr lang="en-US" dirty="0">
+                <a:effectLst/>
+                <a:latin typeface="inherit"/>
+              </a:rPr>
+              <a:t>'</a:t>
+            </a:r>
+            <a:r>
+              <a:rPr lang="en-US" dirty="0" err="1">
+                <a:effectLst/>
+                <a:latin typeface="inherit"/>
+              </a:rPr>
+              <a:t>json</a:t>
+            </a:r>
+            <a:r>
+              <a:rPr lang="en-US" dirty="0">
+                <a:effectLst/>
+                <a:latin typeface="inherit"/>
+              </a:rPr>
+              <a:t>'</a:t>
+            </a:r>
+            <a:r>
+              <a:rPr lang="en-US" dirty="0"/>
+              <a:t> </a:t>
+            </a:r>
+            <a:r>
+              <a:rPr lang="en-US" dirty="0">
+                <a:effectLst/>
+                <a:latin typeface="inherit"/>
+              </a:rPr>
+              <a:t>is</a:t>
+            </a:r>
+            <a:r>
+              <a:rPr lang="en-US" dirty="0"/>
+              <a:t> </a:t>
+            </a:r>
+            <a:r>
+              <a:rPr lang="en-US" dirty="0">
+                <a:effectLst/>
+                <a:latin typeface="inherit"/>
+              </a:rPr>
+              <a:t>not</a:t>
+            </a:r>
+            <a:r>
+              <a:rPr lang="en-US" dirty="0"/>
+              <a:t> defined</a:t>
+            </a:r>
           </a:p>
         </p:txBody>
       </p:sp>
     </p:spTree>
     <p:extLst>
       <p:ext uri="{BB962C8B-B14F-4D97-AF65-F5344CB8AC3E}">
-        <p14:creationId xmlns:p14="http://schemas.microsoft.com/office/powerpoint/2010/main" val="771353384"/>
+        <p14:creationId xmlns:p14="http://schemas.microsoft.com/office/powerpoint/2010/main" val="2119962612"/>
       </p:ext>
     </p:extLst>
   </p:cSld>
@@ -4026,94 +4083,62 @@
       </p:grpSpPr>
       <p:sp>
         <p:nvSpPr>
-          <p:cNvPr id="2" name="Title 1">
-            <a:extLst>
-              <a:ext uri="{FF2B5EF4-FFF2-40B4-BE49-F238E27FC236}">
-                <a16:creationId xmlns:a16="http://schemas.microsoft.com/office/drawing/2014/main" id="{9F365A0C-02CC-00B8-DD44-D6AB63E63141}"/>
-              </a:ext>
-            </a:extLst>
-          </p:cNvPr>
-          <p:cNvSpPr>
-            <a:spLocks noGrp="1"/>
-          </p:cNvSpPr>
-          <p:nvPr>
-            <p:ph type="title"/>
-          </p:nvPr>
-        </p:nvSpPr>
-        <p:spPr/>
-        <p:txBody>
-          <a:bodyPr/>
-          <a:lstStyle/>
-          <a:p>
-            <a:r>
-              <a:rPr lang="en-US" dirty="0"/>
-              <a:t>ML &amp; NLP</a:t>
-            </a:r>
-          </a:p>
-        </p:txBody>
-      </p:sp>
-      <p:sp>
-        <p:nvSpPr>
-          <p:cNvPr id="3" name="Content Placeholder 2">
-            <a:extLst>
-              <a:ext uri="{FF2B5EF4-FFF2-40B4-BE49-F238E27FC236}">
-                <a16:creationId xmlns:a16="http://schemas.microsoft.com/office/drawing/2014/main" id="{5871E551-3C0E-E3A5-8BB1-8DB86CB1A54C}"/>
-              </a:ext>
-            </a:extLst>
-          </p:cNvPr>
-          <p:cNvSpPr>
-            <a:spLocks noGrp="1"/>
-          </p:cNvSpPr>
-          <p:nvPr>
-            <p:ph idx="1"/>
-          </p:nvPr>
-        </p:nvSpPr>
-        <p:spPr/>
-        <p:txBody>
-          <a:bodyPr/>
-          <a:lstStyle/>
-          <a:p>
-            <a:r>
-              <a:rPr lang="en-US" dirty="0"/>
-              <a:t>NATURAL.JS Natural Language Processor:</a:t>
-            </a:r>
-          </a:p>
-          <a:p>
-            <a:pPr marL="560070" lvl="1" indent="-285750">
-              <a:buFontTx/>
-              <a:buChar char="-"/>
-            </a:pPr>
-            <a:r>
-              <a:rPr lang="en-US" dirty="0"/>
-              <a:t>Classifying Words</a:t>
-            </a:r>
-          </a:p>
-          <a:p>
-            <a:pPr marL="560070" lvl="1" indent="-285750">
-              <a:buFontTx/>
-              <a:buChar char="-"/>
-            </a:pPr>
-            <a:r>
-              <a:rPr lang="en-US" dirty="0"/>
-              <a:t>Detecting ‘filler’ Words</a:t>
-            </a:r>
-          </a:p>
-          <a:p>
-            <a:r>
-              <a:rPr lang="en-US" dirty="0"/>
-              <a:t>DALLE-e </a:t>
-            </a:r>
-            <a:r>
-              <a:rPr lang="en-US" dirty="0" err="1"/>
-              <a:t>MiNi</a:t>
-            </a:r>
-            <a:endParaRPr lang="en-US" dirty="0"/>
-          </a:p>
-          <a:p>
-            <a:pPr lvl="1"/>
-            <a:r>
-              <a:rPr lang="en-US" dirty="0"/>
-              <a:t>- Generate Images from the provided text to enhance gameplay</a:t>
+          <p:cNvPr id="5" name="Rectangle 4">
+            <a:extLst>
+              <a:ext uri="{FF2B5EF4-FFF2-40B4-BE49-F238E27FC236}">
+                <a16:creationId xmlns:a16="http://schemas.microsoft.com/office/drawing/2014/main" id="{8E72B5E6-4395-58B4-43D8-FE408C5586FF}"/>
+              </a:ext>
+            </a:extLst>
+          </p:cNvPr>
+          <p:cNvSpPr/>
+          <p:nvPr/>
+        </p:nvSpPr>
+        <p:spPr>
+          <a:xfrm>
+            <a:off x="0" y="2305"/>
+            <a:ext cx="12223669" cy="6855695"/>
+          </a:xfrm>
+          <a:prstGeom prst="rect">
+            <a:avLst/>
+          </a:prstGeom>
+          <a:solidFill>
+            <a:schemeClr val="tx1"/>
+          </a:solidFill>
+          <a:ln>
+            <a:noFill/>
+          </a:ln>
+        </p:spPr>
+        <p:style>
+          <a:lnRef idx="2">
+            <a:schemeClr val="accent1">
+              <a:shade val="50000"/>
+            </a:schemeClr>
+          </a:lnRef>
+          <a:fillRef idx="1">
+            <a:schemeClr val="accent1"/>
+          </a:fillRef>
+          <a:effectRef idx="0">
+            <a:schemeClr val="accent1"/>
+          </a:effectRef>
+          <a:fontRef idx="minor">
+            <a:schemeClr val="lt1"/>
+          </a:fontRef>
+        </p:style>
+        <p:txBody>
+          <a:bodyPr rtlCol="0" anchor="ctr"/>
+          <a:lstStyle/>
+          <a:p>
+            <a:pPr algn="ctr"/>
+            <a:r>
+              <a:rPr lang="en-US" dirty="0"/>
+              <a:t>9:02:33</a:t>
+            </a:r>
+          </a:p>
+          <a:p>
+            <a:pPr algn="ctr"/>
+            <a:r>
+              <a:rPr lang="en-US" dirty="0"/>
+              <a:t>and it just didn’t work.</a:t>
             </a:r>
           </a:p>
         </p:txBody>
@@ -4121,7 +4146,7 @@
     </p:spTree>
     <p:extLst>
       <p:ext uri="{BB962C8B-B14F-4D97-AF65-F5344CB8AC3E}">
-        <p14:creationId xmlns:p14="http://schemas.microsoft.com/office/powerpoint/2010/main" val="4273365875"/>
+        <p14:creationId xmlns:p14="http://schemas.microsoft.com/office/powerpoint/2010/main" val="2408836641"/>
       </p:ext>
     </p:extLst>
   </p:cSld>
@@ -4150,74 +4175,62 @@
       </p:grpSpPr>
       <p:sp>
         <p:nvSpPr>
-          <p:cNvPr id="2" name="Title 1">
-            <a:extLst>
-              <a:ext uri="{FF2B5EF4-FFF2-40B4-BE49-F238E27FC236}">
-                <a16:creationId xmlns:a16="http://schemas.microsoft.com/office/drawing/2014/main" id="{9F365A0C-02CC-00B8-DD44-D6AB63E63141}"/>
-              </a:ext>
-            </a:extLst>
-          </p:cNvPr>
-          <p:cNvSpPr>
-            <a:spLocks noGrp="1"/>
-          </p:cNvSpPr>
-          <p:nvPr>
-            <p:ph type="title"/>
-          </p:nvPr>
-        </p:nvSpPr>
-        <p:spPr/>
-        <p:txBody>
-          <a:bodyPr/>
-          <a:lstStyle/>
-          <a:p>
-            <a:r>
-              <a:rPr lang="en-US" dirty="0"/>
-              <a:t>Game Engine</a:t>
-            </a:r>
-          </a:p>
-        </p:txBody>
-      </p:sp>
-      <p:sp>
-        <p:nvSpPr>
-          <p:cNvPr id="3" name="Content Placeholder 2">
-            <a:extLst>
-              <a:ext uri="{FF2B5EF4-FFF2-40B4-BE49-F238E27FC236}">
-                <a16:creationId xmlns:a16="http://schemas.microsoft.com/office/drawing/2014/main" id="{5871E551-3C0E-E3A5-8BB1-8DB86CB1A54C}"/>
-              </a:ext>
-            </a:extLst>
-          </p:cNvPr>
-          <p:cNvSpPr>
-            <a:spLocks noGrp="1"/>
-          </p:cNvSpPr>
-          <p:nvPr>
-            <p:ph idx="1"/>
-          </p:nvPr>
-        </p:nvSpPr>
-        <p:spPr/>
-        <p:txBody>
-          <a:bodyPr/>
-          <a:lstStyle/>
-          <a:p>
-            <a:r>
-              <a:rPr lang="en-US" b="1" i="1" dirty="0"/>
-              <a:t>Dungeons</a:t>
-            </a:r>
-            <a:r>
-              <a:rPr lang="en-US" dirty="0"/>
-              <a:t> converts raw text in ‘Natural’ formatting to a classified style using </a:t>
-            </a:r>
-            <a:r>
-              <a:rPr lang="en-US" b="1" dirty="0"/>
-              <a:t>NLP (Natural)</a:t>
-            </a:r>
-            <a:r>
-              <a:rPr lang="en-US" dirty="0"/>
-              <a:t>.</a:t>
-            </a:r>
-          </a:p>
-          <a:p>
-            <a:r>
-              <a:rPr lang="en-US" dirty="0"/>
-              <a:t>The Engine converts and formats the classified data into modifiable objects that can be used and manipulated through gameplay.</a:t>
+          <p:cNvPr id="5" name="Rectangle 4">
+            <a:extLst>
+              <a:ext uri="{FF2B5EF4-FFF2-40B4-BE49-F238E27FC236}">
+                <a16:creationId xmlns:a16="http://schemas.microsoft.com/office/drawing/2014/main" id="{8E72B5E6-4395-58B4-43D8-FE408C5586FF}"/>
+              </a:ext>
+            </a:extLst>
+          </p:cNvPr>
+          <p:cNvSpPr/>
+          <p:nvPr/>
+        </p:nvSpPr>
+        <p:spPr>
+          <a:xfrm>
+            <a:off x="0" y="2305"/>
+            <a:ext cx="12223669" cy="6855695"/>
+          </a:xfrm>
+          <a:prstGeom prst="rect">
+            <a:avLst/>
+          </a:prstGeom>
+          <a:solidFill>
+            <a:schemeClr val="tx1"/>
+          </a:solidFill>
+          <a:ln>
+            <a:noFill/>
+          </a:ln>
+        </p:spPr>
+        <p:style>
+          <a:lnRef idx="2">
+            <a:schemeClr val="accent1">
+              <a:shade val="50000"/>
+            </a:schemeClr>
+          </a:lnRef>
+          <a:fillRef idx="1">
+            <a:schemeClr val="accent1"/>
+          </a:fillRef>
+          <a:effectRef idx="0">
+            <a:schemeClr val="accent1"/>
+          </a:effectRef>
+          <a:fontRef idx="minor">
+            <a:schemeClr val="lt1"/>
+          </a:fontRef>
+        </p:style>
+        <p:txBody>
+          <a:bodyPr rtlCol="0" anchor="ctr"/>
+          <a:lstStyle/>
+          <a:p>
+            <a:pPr algn="ctr"/>
+            <a:r>
+              <a:rPr lang="en-US" dirty="0"/>
+              <a:t>9:14:56</a:t>
+            </a:r>
+          </a:p>
+          <a:p>
+            <a:pPr algn="ctr"/>
+            <a:r>
+              <a:rPr lang="en-US" dirty="0"/>
+              <a:t>all hope was lost.</a:t>
             </a:r>
           </a:p>
         </p:txBody>
@@ -4225,7 +4238,7 @@
     </p:spTree>
     <p:extLst>
       <p:ext uri="{BB962C8B-B14F-4D97-AF65-F5344CB8AC3E}">
-        <p14:creationId xmlns:p14="http://schemas.microsoft.com/office/powerpoint/2010/main" val="2201292608"/>
+        <p14:creationId xmlns:p14="http://schemas.microsoft.com/office/powerpoint/2010/main" val="3043803756"/>
       </p:ext>
     </p:extLst>
   </p:cSld>
@@ -4254,6 +4267,1489 @@
       </p:grpSpPr>
       <p:sp>
         <p:nvSpPr>
+          <p:cNvPr id="5" name="Rectangle 4">
+            <a:extLst>
+              <a:ext uri="{FF2B5EF4-FFF2-40B4-BE49-F238E27FC236}">
+                <a16:creationId xmlns:a16="http://schemas.microsoft.com/office/drawing/2014/main" id="{8E72B5E6-4395-58B4-43D8-FE408C5586FF}"/>
+              </a:ext>
+            </a:extLst>
+          </p:cNvPr>
+          <p:cNvSpPr/>
+          <p:nvPr/>
+        </p:nvSpPr>
+        <p:spPr>
+          <a:xfrm>
+            <a:off x="0" y="2305"/>
+            <a:ext cx="12223669" cy="6855695"/>
+          </a:xfrm>
+          <a:prstGeom prst="rect">
+            <a:avLst/>
+          </a:prstGeom>
+          <a:solidFill>
+            <a:schemeClr val="tx1"/>
+          </a:solidFill>
+          <a:ln>
+            <a:noFill/>
+          </a:ln>
+        </p:spPr>
+        <p:style>
+          <a:lnRef idx="2">
+            <a:schemeClr val="accent1">
+              <a:shade val="50000"/>
+            </a:schemeClr>
+          </a:lnRef>
+          <a:fillRef idx="1">
+            <a:schemeClr val="accent1"/>
+          </a:fillRef>
+          <a:effectRef idx="0">
+            <a:schemeClr val="accent1"/>
+          </a:effectRef>
+          <a:fontRef idx="minor">
+            <a:schemeClr val="lt1"/>
+          </a:fontRef>
+        </p:style>
+        <p:txBody>
+          <a:bodyPr rtlCol="0" anchor="ctr"/>
+          <a:lstStyle/>
+          <a:p>
+            <a:pPr algn="ctr"/>
+            <a:r>
+              <a:rPr lang="en-US" dirty="0"/>
+              <a:t>10:48:32</a:t>
+            </a:r>
+          </a:p>
+          <a:p>
+            <a:pPr algn="ctr"/>
+            <a:r>
+              <a:rPr lang="en-US" b="1" dirty="0"/>
+              <a:t>we gave up</a:t>
+            </a:r>
+            <a:r>
+              <a:rPr lang="en-US" dirty="0"/>
+              <a:t>.</a:t>
+            </a:r>
+          </a:p>
+        </p:txBody>
+      </p:sp>
+    </p:spTree>
+    <p:extLst>
+      <p:ext uri="{BB962C8B-B14F-4D97-AF65-F5344CB8AC3E}">
+        <p14:creationId xmlns:p14="http://schemas.microsoft.com/office/powerpoint/2010/main" val="3208720108"/>
+      </p:ext>
+    </p:extLst>
+  </p:cSld>
+  <p:clrMapOvr>
+    <a:masterClrMapping/>
+  </p:clrMapOvr>
+</p:sld>
+</file>
+
+<file path=ppt/slides/slide15.xml><?xml version="1.0" encoding="utf-8"?>
+<p:sld xmlns:a="http://schemas.openxmlformats.org/drawingml/2006/main" xmlns:r="http://schemas.openxmlformats.org/officeDocument/2006/relationships" xmlns:p="http://schemas.openxmlformats.org/presentationml/2006/main">
+  <p:cSld>
+    <p:spTree>
+      <p:nvGrpSpPr>
+        <p:cNvPr id="1" name=""/>
+        <p:cNvGrpSpPr/>
+        <p:nvPr/>
+      </p:nvGrpSpPr>
+      <p:grpSpPr>
+        <a:xfrm>
+          <a:off x="0" y="0"/>
+          <a:ext cx="0" cy="0"/>
+          <a:chOff x="0" y="0"/>
+          <a:chExt cx="0" cy="0"/>
+        </a:xfrm>
+      </p:grpSpPr>
+      <p:sp>
+        <p:nvSpPr>
+          <p:cNvPr id="5" name="Rectangle 4">
+            <a:extLst>
+              <a:ext uri="{FF2B5EF4-FFF2-40B4-BE49-F238E27FC236}">
+                <a16:creationId xmlns:a16="http://schemas.microsoft.com/office/drawing/2014/main" id="{8E72B5E6-4395-58B4-43D8-FE408C5586FF}"/>
+              </a:ext>
+            </a:extLst>
+          </p:cNvPr>
+          <p:cNvSpPr/>
+          <p:nvPr/>
+        </p:nvSpPr>
+        <p:spPr>
+          <a:xfrm>
+            <a:off x="0" y="2305"/>
+            <a:ext cx="12223669" cy="6855695"/>
+          </a:xfrm>
+          <a:prstGeom prst="rect">
+            <a:avLst/>
+          </a:prstGeom>
+          <a:solidFill>
+            <a:schemeClr val="tx1"/>
+          </a:solidFill>
+          <a:ln>
+            <a:noFill/>
+          </a:ln>
+        </p:spPr>
+        <p:style>
+          <a:lnRef idx="2">
+            <a:schemeClr val="accent1">
+              <a:shade val="50000"/>
+            </a:schemeClr>
+          </a:lnRef>
+          <a:fillRef idx="1">
+            <a:schemeClr val="accent1"/>
+          </a:fillRef>
+          <a:effectRef idx="0">
+            <a:schemeClr val="accent1"/>
+          </a:effectRef>
+          <a:fontRef idx="minor">
+            <a:schemeClr val="lt1"/>
+          </a:fontRef>
+        </p:style>
+        <p:txBody>
+          <a:bodyPr rtlCol="0" anchor="ctr"/>
+          <a:lstStyle/>
+          <a:p>
+            <a:pPr algn="ctr"/>
+            <a:r>
+              <a:rPr lang="en-US" dirty="0"/>
+              <a:t>10:56:59</a:t>
+            </a:r>
+          </a:p>
+          <a:p>
+            <a:pPr algn="ctr"/>
+            <a:r>
+              <a:rPr lang="en-US" b="1" dirty="0"/>
+              <a:t>build success.</a:t>
+            </a:r>
+          </a:p>
+        </p:txBody>
+      </p:sp>
+    </p:spTree>
+    <p:extLst>
+      <p:ext uri="{BB962C8B-B14F-4D97-AF65-F5344CB8AC3E}">
+        <p14:creationId xmlns:p14="http://schemas.microsoft.com/office/powerpoint/2010/main" val="1625133427"/>
+      </p:ext>
+    </p:extLst>
+  </p:cSld>
+  <p:clrMapOvr>
+    <a:masterClrMapping/>
+  </p:clrMapOvr>
+</p:sld>
+</file>
+
+<file path=ppt/slides/slide16.xml><?xml version="1.0" encoding="utf-8"?>
+<p:sld xmlns:a="http://schemas.openxmlformats.org/drawingml/2006/main" xmlns:r="http://schemas.openxmlformats.org/officeDocument/2006/relationships" xmlns:p="http://schemas.openxmlformats.org/presentationml/2006/main">
+  <p:cSld>
+    <p:spTree>
+      <p:nvGrpSpPr>
+        <p:cNvPr id="1" name=""/>
+        <p:cNvGrpSpPr/>
+        <p:nvPr/>
+      </p:nvGrpSpPr>
+      <p:grpSpPr>
+        <a:xfrm>
+          <a:off x="0" y="0"/>
+          <a:ext cx="0" cy="0"/>
+          <a:chOff x="0" y="0"/>
+          <a:chExt cx="0" cy="0"/>
+        </a:xfrm>
+      </p:grpSpPr>
+      <p:sp>
+        <p:nvSpPr>
+          <p:cNvPr id="5" name="Rectangle 4">
+            <a:extLst>
+              <a:ext uri="{FF2B5EF4-FFF2-40B4-BE49-F238E27FC236}">
+                <a16:creationId xmlns:a16="http://schemas.microsoft.com/office/drawing/2014/main" id="{8E72B5E6-4395-58B4-43D8-FE408C5586FF}"/>
+              </a:ext>
+            </a:extLst>
+          </p:cNvPr>
+          <p:cNvSpPr/>
+          <p:nvPr/>
+        </p:nvSpPr>
+        <p:spPr>
+          <a:xfrm>
+            <a:off x="0" y="2305"/>
+            <a:ext cx="12223669" cy="6855695"/>
+          </a:xfrm>
+          <a:prstGeom prst="rect">
+            <a:avLst/>
+          </a:prstGeom>
+          <a:solidFill>
+            <a:schemeClr val="tx1"/>
+          </a:solidFill>
+          <a:ln>
+            <a:noFill/>
+          </a:ln>
+        </p:spPr>
+        <p:style>
+          <a:lnRef idx="2">
+            <a:schemeClr val="accent1">
+              <a:shade val="50000"/>
+            </a:schemeClr>
+          </a:lnRef>
+          <a:fillRef idx="1">
+            <a:schemeClr val="accent1"/>
+          </a:fillRef>
+          <a:effectRef idx="0">
+            <a:schemeClr val="accent1"/>
+          </a:effectRef>
+          <a:fontRef idx="minor">
+            <a:schemeClr val="lt1"/>
+          </a:fontRef>
+        </p:style>
+        <p:txBody>
+          <a:bodyPr rtlCol="0" anchor="ctr"/>
+          <a:lstStyle/>
+          <a:p>
+            <a:pPr algn="ctr"/>
+            <a:r>
+              <a:rPr lang="en-US" dirty="0"/>
+              <a:t>after losing almost 4 hours, it worked.</a:t>
+            </a:r>
+          </a:p>
+        </p:txBody>
+      </p:sp>
+    </p:spTree>
+    <p:extLst>
+      <p:ext uri="{BB962C8B-B14F-4D97-AF65-F5344CB8AC3E}">
+        <p14:creationId xmlns:p14="http://schemas.microsoft.com/office/powerpoint/2010/main" val="2402274822"/>
+      </p:ext>
+    </p:extLst>
+  </p:cSld>
+  <p:clrMapOvr>
+    <a:masterClrMapping/>
+  </p:clrMapOvr>
+</p:sld>
+</file>
+
+<file path=ppt/slides/slide17.xml><?xml version="1.0" encoding="utf-8"?>
+<p:sld xmlns:a="http://schemas.openxmlformats.org/drawingml/2006/main" xmlns:r="http://schemas.openxmlformats.org/officeDocument/2006/relationships" xmlns:p="http://schemas.openxmlformats.org/presentationml/2006/main">
+  <p:cSld>
+    <p:spTree>
+      <p:nvGrpSpPr>
+        <p:cNvPr id="1" name=""/>
+        <p:cNvGrpSpPr/>
+        <p:nvPr/>
+      </p:nvGrpSpPr>
+      <p:grpSpPr>
+        <a:xfrm>
+          <a:off x="0" y="0"/>
+          <a:ext cx="0" cy="0"/>
+          <a:chOff x="0" y="0"/>
+          <a:chExt cx="0" cy="0"/>
+        </a:xfrm>
+      </p:grpSpPr>
+      <p:sp>
+        <p:nvSpPr>
+          <p:cNvPr id="5" name="Rectangle 4">
+            <a:extLst>
+              <a:ext uri="{FF2B5EF4-FFF2-40B4-BE49-F238E27FC236}">
+                <a16:creationId xmlns:a16="http://schemas.microsoft.com/office/drawing/2014/main" id="{8E72B5E6-4395-58B4-43D8-FE408C5586FF}"/>
+              </a:ext>
+            </a:extLst>
+          </p:cNvPr>
+          <p:cNvSpPr/>
+          <p:nvPr/>
+        </p:nvSpPr>
+        <p:spPr>
+          <a:xfrm>
+            <a:off x="0" y="2305"/>
+            <a:ext cx="12223669" cy="6855695"/>
+          </a:xfrm>
+          <a:prstGeom prst="rect">
+            <a:avLst/>
+          </a:prstGeom>
+          <a:solidFill>
+            <a:schemeClr val="tx1"/>
+          </a:solidFill>
+          <a:ln>
+            <a:noFill/>
+          </a:ln>
+        </p:spPr>
+        <p:style>
+          <a:lnRef idx="2">
+            <a:schemeClr val="accent1">
+              <a:shade val="50000"/>
+            </a:schemeClr>
+          </a:lnRef>
+          <a:fillRef idx="1">
+            <a:schemeClr val="accent1"/>
+          </a:fillRef>
+          <a:effectRef idx="0">
+            <a:schemeClr val="accent1"/>
+          </a:effectRef>
+          <a:fontRef idx="minor">
+            <a:schemeClr val="lt1"/>
+          </a:fontRef>
+        </p:style>
+        <p:txBody>
+          <a:bodyPr rtlCol="0" anchor="ctr"/>
+          <a:lstStyle/>
+          <a:p>
+            <a:pPr algn="ctr"/>
+            <a:r>
+              <a:rPr lang="en-US" dirty="0"/>
+              <a:t>here is what we made</a:t>
+            </a:r>
+          </a:p>
+          <a:p>
+            <a:pPr algn="ctr"/>
+            <a:r>
+              <a:rPr lang="en-US" b="1" dirty="0"/>
+              <a:t>in 14 hours.</a:t>
+            </a:r>
+          </a:p>
+        </p:txBody>
+      </p:sp>
+    </p:spTree>
+    <p:extLst>
+      <p:ext uri="{BB962C8B-B14F-4D97-AF65-F5344CB8AC3E}">
+        <p14:creationId xmlns:p14="http://schemas.microsoft.com/office/powerpoint/2010/main" val="319281911"/>
+      </p:ext>
+    </p:extLst>
+  </p:cSld>
+  <p:clrMapOvr>
+    <a:masterClrMapping/>
+  </p:clrMapOvr>
+</p:sld>
+</file>
+
+<file path=ppt/slides/slide18.xml><?xml version="1.0" encoding="utf-8"?>
+<p:sld xmlns:a="http://schemas.openxmlformats.org/drawingml/2006/main" xmlns:r="http://schemas.openxmlformats.org/officeDocument/2006/relationships" xmlns:p="http://schemas.openxmlformats.org/presentationml/2006/main">
+  <p:cSld>
+    <p:spTree>
+      <p:nvGrpSpPr>
+        <p:cNvPr id="1" name=""/>
+        <p:cNvGrpSpPr/>
+        <p:nvPr/>
+      </p:nvGrpSpPr>
+      <p:grpSpPr>
+        <a:xfrm>
+          <a:off x="0" y="0"/>
+          <a:ext cx="0" cy="0"/>
+          <a:chOff x="0" y="0"/>
+          <a:chExt cx="0" cy="0"/>
+        </a:xfrm>
+      </p:grpSpPr>
+      <p:sp>
+        <p:nvSpPr>
+          <p:cNvPr id="5" name="Rectangle 4">
+            <a:extLst>
+              <a:ext uri="{FF2B5EF4-FFF2-40B4-BE49-F238E27FC236}">
+                <a16:creationId xmlns:a16="http://schemas.microsoft.com/office/drawing/2014/main" id="{8E72B5E6-4395-58B4-43D8-FE408C5586FF}"/>
+              </a:ext>
+            </a:extLst>
+          </p:cNvPr>
+          <p:cNvSpPr/>
+          <p:nvPr/>
+        </p:nvSpPr>
+        <p:spPr>
+          <a:xfrm>
+            <a:off x="0" y="2305"/>
+            <a:ext cx="12223669" cy="6855695"/>
+          </a:xfrm>
+          <a:prstGeom prst="rect">
+            <a:avLst/>
+          </a:prstGeom>
+          <a:solidFill>
+            <a:srgbClr val="222020"/>
+          </a:solidFill>
+          <a:ln>
+            <a:noFill/>
+          </a:ln>
+        </p:spPr>
+        <p:style>
+          <a:lnRef idx="2">
+            <a:schemeClr val="accent1">
+              <a:shade val="50000"/>
+            </a:schemeClr>
+          </a:lnRef>
+          <a:fillRef idx="1">
+            <a:schemeClr val="accent1"/>
+          </a:fillRef>
+          <a:effectRef idx="0">
+            <a:schemeClr val="accent1"/>
+          </a:effectRef>
+          <a:fontRef idx="minor">
+            <a:schemeClr val="lt1"/>
+          </a:fontRef>
+        </p:style>
+        <p:txBody>
+          <a:bodyPr rtlCol="0" anchor="ctr"/>
+          <a:lstStyle/>
+          <a:p>
+            <a:pPr algn="ctr"/>
+            <a:r>
+              <a:rPr lang="en-US" b="1" dirty="0">
+                <a:solidFill>
+                  <a:srgbClr val="151213"/>
+                </a:solidFill>
+              </a:rPr>
+              <a:t>[demo]</a:t>
+            </a:r>
+          </a:p>
+        </p:txBody>
+      </p:sp>
+      <p:pic>
+        <p:nvPicPr>
+          <p:cNvPr id="1028" name="Picture 4" descr="Image">
+            <a:extLst>
+              <a:ext uri="{FF2B5EF4-FFF2-40B4-BE49-F238E27FC236}">
+                <a16:creationId xmlns:a16="http://schemas.microsoft.com/office/drawing/2014/main" id="{E17B6318-3DA6-3780-0B2A-B02D16D89BFB}"/>
+              </a:ext>
+            </a:extLst>
+          </p:cNvPr>
+          <p:cNvPicPr>
+            <a:picLocks noChangeAspect="1" noChangeArrowheads="1"/>
+          </p:cNvPicPr>
+          <p:nvPr/>
+        </p:nvPicPr>
+        <p:blipFill rotWithShape="1">
+          <a:blip r:embed="rId2">
+            <a:extLst>
+              <a:ext uri="{28A0092B-C50C-407E-A947-70E740481C1C}">
+                <a14:useLocalDpi xmlns:a14="http://schemas.microsoft.com/office/drawing/2010/main" val="0"/>
+              </a:ext>
+            </a:extLst>
+          </a:blip>
+          <a:srcRect l="420" t="8958" r="1895" b="6250"/>
+          <a:stretch/>
+        </p:blipFill>
+        <p:spPr bwMode="auto">
+          <a:xfrm>
+            <a:off x="0" y="120904"/>
+            <a:ext cx="12192000" cy="6616192"/>
+          </a:xfrm>
+          <a:prstGeom prst="rect">
+            <a:avLst/>
+          </a:prstGeom>
+          <a:noFill/>
+          <a:extLst>
+            <a:ext uri="{909E8E84-426E-40DD-AFC4-6F175D3DCCD1}">
+              <a14:hiddenFill xmlns:a14="http://schemas.microsoft.com/office/drawing/2010/main">
+                <a:solidFill>
+                  <a:srgbClr val="FFFFFF"/>
+                </a:solidFill>
+              </a14:hiddenFill>
+            </a:ext>
+          </a:extLst>
+        </p:spPr>
+      </p:pic>
+    </p:spTree>
+    <p:extLst>
+      <p:ext uri="{BB962C8B-B14F-4D97-AF65-F5344CB8AC3E}">
+        <p14:creationId xmlns:p14="http://schemas.microsoft.com/office/powerpoint/2010/main" val="1283947"/>
+      </p:ext>
+    </p:extLst>
+  </p:cSld>
+  <p:clrMapOvr>
+    <a:masterClrMapping/>
+  </p:clrMapOvr>
+</p:sld>
+</file>
+
+<file path=ppt/slides/slide19.xml><?xml version="1.0" encoding="utf-8"?>
+<p:sld xmlns:a="http://schemas.openxmlformats.org/drawingml/2006/main" xmlns:r="http://schemas.openxmlformats.org/officeDocument/2006/relationships" xmlns:p="http://schemas.openxmlformats.org/presentationml/2006/main">
+  <p:cSld>
+    <p:spTree>
+      <p:nvGrpSpPr>
+        <p:cNvPr id="1" name=""/>
+        <p:cNvGrpSpPr/>
+        <p:nvPr/>
+      </p:nvGrpSpPr>
+      <p:grpSpPr>
+        <a:xfrm>
+          <a:off x="0" y="0"/>
+          <a:ext cx="0" cy="0"/>
+          <a:chOff x="0" y="0"/>
+          <a:chExt cx="0" cy="0"/>
+        </a:xfrm>
+      </p:grpSpPr>
+      <p:sp>
+        <p:nvSpPr>
+          <p:cNvPr id="5" name="Rectangle 4">
+            <a:extLst>
+              <a:ext uri="{FF2B5EF4-FFF2-40B4-BE49-F238E27FC236}">
+                <a16:creationId xmlns:a16="http://schemas.microsoft.com/office/drawing/2014/main" id="{8E72B5E6-4395-58B4-43D8-FE408C5586FF}"/>
+              </a:ext>
+            </a:extLst>
+          </p:cNvPr>
+          <p:cNvSpPr/>
+          <p:nvPr/>
+        </p:nvSpPr>
+        <p:spPr>
+          <a:xfrm>
+            <a:off x="0" y="2305"/>
+            <a:ext cx="12223669" cy="6855695"/>
+          </a:xfrm>
+          <a:prstGeom prst="rect">
+            <a:avLst/>
+          </a:prstGeom>
+          <a:solidFill>
+            <a:schemeClr val="tx1"/>
+          </a:solidFill>
+          <a:ln>
+            <a:noFill/>
+          </a:ln>
+        </p:spPr>
+        <p:style>
+          <a:lnRef idx="2">
+            <a:schemeClr val="accent1">
+              <a:shade val="50000"/>
+            </a:schemeClr>
+          </a:lnRef>
+          <a:fillRef idx="1">
+            <a:schemeClr val="accent1"/>
+          </a:fillRef>
+          <a:effectRef idx="0">
+            <a:schemeClr val="accent1"/>
+          </a:effectRef>
+          <a:fontRef idx="minor">
+            <a:schemeClr val="lt1"/>
+          </a:fontRef>
+        </p:style>
+        <p:txBody>
+          <a:bodyPr rtlCol="0" anchor="ctr"/>
+          <a:lstStyle/>
+          <a:p>
+            <a:pPr algn="ctr"/>
+            <a:r>
+              <a:rPr lang="en-US" b="1" dirty="0"/>
+              <a:t>[demo]</a:t>
+            </a:r>
+          </a:p>
+        </p:txBody>
+      </p:sp>
+      <p:pic>
+        <p:nvPicPr>
+          <p:cNvPr id="2050" name="Picture 2" descr="Image">
+            <a:extLst>
+              <a:ext uri="{FF2B5EF4-FFF2-40B4-BE49-F238E27FC236}">
+                <a16:creationId xmlns:a16="http://schemas.microsoft.com/office/drawing/2014/main" id="{1ECF0DB6-A14D-2210-C7F1-6E71A768804F}"/>
+              </a:ext>
+            </a:extLst>
+          </p:cNvPr>
+          <p:cNvPicPr>
+            <a:picLocks noChangeAspect="1" noChangeArrowheads="1"/>
+          </p:cNvPicPr>
+          <p:nvPr/>
+        </p:nvPicPr>
+        <p:blipFill rotWithShape="1">
+          <a:blip r:embed="rId2">
+            <a:extLst>
+              <a:ext uri="{28A0092B-C50C-407E-A947-70E740481C1C}">
+                <a14:useLocalDpi xmlns:a14="http://schemas.microsoft.com/office/drawing/2010/main" val="0"/>
+              </a:ext>
+            </a:extLst>
+          </a:blip>
+          <a:srcRect l="159" t="8750" r="1505" b="6250"/>
+          <a:stretch/>
+        </p:blipFill>
+        <p:spPr bwMode="auto">
+          <a:xfrm>
+            <a:off x="0" y="134737"/>
+            <a:ext cx="12192000" cy="6588525"/>
+          </a:xfrm>
+          <a:prstGeom prst="rect">
+            <a:avLst/>
+          </a:prstGeom>
+          <a:noFill/>
+          <a:extLst>
+            <a:ext uri="{909E8E84-426E-40DD-AFC4-6F175D3DCCD1}">
+              <a14:hiddenFill xmlns:a14="http://schemas.microsoft.com/office/drawing/2010/main">
+                <a:solidFill>
+                  <a:srgbClr val="FFFFFF"/>
+                </a:solidFill>
+              </a14:hiddenFill>
+            </a:ext>
+          </a:extLst>
+        </p:spPr>
+      </p:pic>
+    </p:spTree>
+    <p:extLst>
+      <p:ext uri="{BB962C8B-B14F-4D97-AF65-F5344CB8AC3E}">
+        <p14:creationId xmlns:p14="http://schemas.microsoft.com/office/powerpoint/2010/main" val="1618656907"/>
+      </p:ext>
+    </p:extLst>
+  </p:cSld>
+  <p:clrMapOvr>
+    <a:masterClrMapping/>
+  </p:clrMapOvr>
+</p:sld>
+</file>
+
+<file path=ppt/slides/slide2.xml><?xml version="1.0" encoding="utf-8"?>
+<p:sld xmlns:a="http://schemas.openxmlformats.org/drawingml/2006/main" xmlns:r="http://schemas.openxmlformats.org/officeDocument/2006/relationships" xmlns:p="http://schemas.openxmlformats.org/presentationml/2006/main">
+  <p:cSld>
+    <p:spTree>
+      <p:nvGrpSpPr>
+        <p:cNvPr id="1" name=""/>
+        <p:cNvGrpSpPr/>
+        <p:nvPr/>
+      </p:nvGrpSpPr>
+      <p:grpSpPr>
+        <a:xfrm>
+          <a:off x="0" y="0"/>
+          <a:ext cx="0" cy="0"/>
+          <a:chOff x="0" y="0"/>
+          <a:chExt cx="0" cy="0"/>
+        </a:xfrm>
+      </p:grpSpPr>
+      <p:sp>
+        <p:nvSpPr>
+          <p:cNvPr id="6" name="Rectangle 5">
+            <a:extLst>
+              <a:ext uri="{FF2B5EF4-FFF2-40B4-BE49-F238E27FC236}">
+                <a16:creationId xmlns:a16="http://schemas.microsoft.com/office/drawing/2014/main" id="{B0D80FFD-2498-C45A-8DA6-FBDB55367C3A}"/>
+              </a:ext>
+            </a:extLst>
+          </p:cNvPr>
+          <p:cNvSpPr/>
+          <p:nvPr/>
+        </p:nvSpPr>
+        <p:spPr>
+          <a:xfrm>
+            <a:off x="-1" y="2755300"/>
+            <a:ext cx="12223669" cy="4100394"/>
+          </a:xfrm>
+          <a:prstGeom prst="rect">
+            <a:avLst/>
+          </a:prstGeom>
+          <a:solidFill>
+            <a:srgbClr val="243532"/>
+          </a:solidFill>
+          <a:ln>
+            <a:noFill/>
+          </a:ln>
+        </p:spPr>
+        <p:style>
+          <a:lnRef idx="2">
+            <a:schemeClr val="accent1">
+              <a:shade val="50000"/>
+            </a:schemeClr>
+          </a:lnRef>
+          <a:fillRef idx="1">
+            <a:schemeClr val="accent1"/>
+          </a:fillRef>
+          <a:effectRef idx="0">
+            <a:schemeClr val="accent1"/>
+          </a:effectRef>
+          <a:fontRef idx="minor">
+            <a:schemeClr val="lt1"/>
+          </a:fontRef>
+        </p:style>
+        <p:txBody>
+          <a:bodyPr rtlCol="0" anchor="ctr"/>
+          <a:lstStyle/>
+          <a:p>
+            <a:pPr algn="ctr"/>
+            <a:endParaRPr lang="en-US" dirty="0"/>
+          </a:p>
+        </p:txBody>
+      </p:sp>
+      <p:sp>
+        <p:nvSpPr>
+          <p:cNvPr id="5" name="Rectangle 4">
+            <a:extLst>
+              <a:ext uri="{FF2B5EF4-FFF2-40B4-BE49-F238E27FC236}">
+                <a16:creationId xmlns:a16="http://schemas.microsoft.com/office/drawing/2014/main" id="{8E72B5E6-4395-58B4-43D8-FE408C5586FF}"/>
+              </a:ext>
+            </a:extLst>
+          </p:cNvPr>
+          <p:cNvSpPr/>
+          <p:nvPr/>
+        </p:nvSpPr>
+        <p:spPr>
+          <a:xfrm>
+            <a:off x="0" y="2306"/>
+            <a:ext cx="12223669" cy="2767400"/>
+          </a:xfrm>
+          <a:prstGeom prst="rect">
+            <a:avLst/>
+          </a:prstGeom>
+          <a:solidFill>
+            <a:schemeClr val="tx1"/>
+          </a:solidFill>
+          <a:ln>
+            <a:noFill/>
+          </a:ln>
+        </p:spPr>
+        <p:style>
+          <a:lnRef idx="2">
+            <a:schemeClr val="accent1">
+              <a:shade val="50000"/>
+            </a:schemeClr>
+          </a:lnRef>
+          <a:fillRef idx="1">
+            <a:schemeClr val="accent1"/>
+          </a:fillRef>
+          <a:effectRef idx="0">
+            <a:schemeClr val="accent1"/>
+          </a:effectRef>
+          <a:fontRef idx="minor">
+            <a:schemeClr val="lt1"/>
+          </a:fontRef>
+        </p:style>
+        <p:txBody>
+          <a:bodyPr rtlCol="0" anchor="ctr"/>
+          <a:lstStyle/>
+          <a:p>
+            <a:pPr algn="ctr"/>
+            <a:endParaRPr lang="en-US" dirty="0"/>
+          </a:p>
+        </p:txBody>
+      </p:sp>
+      <p:sp>
+        <p:nvSpPr>
+          <p:cNvPr id="2" name="Title 1">
+            <a:extLst>
+              <a:ext uri="{FF2B5EF4-FFF2-40B4-BE49-F238E27FC236}">
+                <a16:creationId xmlns:a16="http://schemas.microsoft.com/office/drawing/2014/main" id="{00CF816A-99D2-8366-5D03-5486DF4070DF}"/>
+              </a:ext>
+            </a:extLst>
+          </p:cNvPr>
+          <p:cNvSpPr>
+            <a:spLocks noGrp="1"/>
+          </p:cNvSpPr>
+          <p:nvPr>
+            <p:ph type="title"/>
+          </p:nvPr>
+        </p:nvSpPr>
+        <p:spPr>
+          <a:noFill/>
+        </p:spPr>
+        <p:txBody>
+          <a:bodyPr/>
+          <a:lstStyle/>
+          <a:p>
+            <a:pPr algn="ctr"/>
+            <a:r>
+              <a:rPr lang="en-US" sz="6600" dirty="0">
+                <a:solidFill>
+                  <a:schemeClr val="bg1"/>
+                </a:solidFill>
+              </a:rPr>
+              <a:t>DUNGEONS</a:t>
+            </a:r>
+            <a:r>
+              <a:rPr lang="en-US" dirty="0">
+                <a:solidFill>
+                  <a:schemeClr val="bg1"/>
+                </a:solidFill>
+              </a:rPr>
+              <a:t> </a:t>
+            </a:r>
+          </a:p>
+        </p:txBody>
+      </p:sp>
+      <p:sp>
+        <p:nvSpPr>
+          <p:cNvPr id="10" name="Title 1">
+            <a:extLst>
+              <a:ext uri="{FF2B5EF4-FFF2-40B4-BE49-F238E27FC236}">
+                <a16:creationId xmlns:a16="http://schemas.microsoft.com/office/drawing/2014/main" id="{1F737538-5E65-762D-6D0E-D337AC934DE2}"/>
+              </a:ext>
+            </a:extLst>
+          </p:cNvPr>
+          <p:cNvSpPr txBox="1">
+            <a:spLocks/>
+          </p:cNvSpPr>
+          <p:nvPr/>
+        </p:nvSpPr>
+        <p:spPr>
+          <a:xfrm>
+            <a:off x="930233" y="3506888"/>
+            <a:ext cx="10363200" cy="1314443"/>
+          </a:xfrm>
+          <a:prstGeom prst="rect">
+            <a:avLst/>
+          </a:prstGeom>
+          <a:noFill/>
+        </p:spPr>
+        <p:txBody>
+          <a:bodyPr vert="horz" lIns="91440" tIns="45720" rIns="91440" bIns="45720" rtlCol="0" anchor="t">
+            <a:normAutofit/>
+          </a:bodyPr>
+          <a:lstStyle>
+            <a:lvl1pPr algn="l" defTabSz="914400" rtl="0" eaLnBrk="1" latinLnBrk="0" hangingPunct="1">
+              <a:lnSpc>
+                <a:spcPct val="100000"/>
+              </a:lnSpc>
+              <a:spcBef>
+                <a:spcPct val="0"/>
+              </a:spcBef>
+              <a:buNone/>
+              <a:defRPr sz="4000" kern="1200">
+                <a:solidFill>
+                  <a:schemeClr val="tx1"/>
+                </a:solidFill>
+                <a:latin typeface="+mj-lt"/>
+                <a:ea typeface="+mj-ea"/>
+                <a:cs typeface="+mj-cs"/>
+              </a:defRPr>
+            </a:lvl1pPr>
+          </a:lstStyle>
+          <a:p>
+            <a:pPr algn="ctr"/>
+            <a:r>
+              <a:rPr lang="en-US" sz="4800" dirty="0">
+                <a:solidFill>
+                  <a:schemeClr val="bg1"/>
+                </a:solidFill>
+              </a:rPr>
+              <a:t>WRITE IT </a:t>
+            </a:r>
+            <a:r>
+              <a:rPr lang="en-US" sz="4800" b="1" u="sng" dirty="0">
+                <a:solidFill>
+                  <a:schemeClr val="bg1"/>
+                </a:solidFill>
+              </a:rPr>
+              <a:t>AND</a:t>
+            </a:r>
+            <a:r>
+              <a:rPr lang="en-US" sz="4800" dirty="0">
+                <a:solidFill>
+                  <a:schemeClr val="bg1"/>
+                </a:solidFill>
+              </a:rPr>
+              <a:t> PLAY IT.</a:t>
+            </a:r>
+            <a:endParaRPr lang="en-US" sz="2800" dirty="0">
+              <a:solidFill>
+                <a:schemeClr val="bg1"/>
+              </a:solidFill>
+            </a:endParaRPr>
+          </a:p>
+        </p:txBody>
+      </p:sp>
+    </p:spTree>
+    <p:extLst>
+      <p:ext uri="{BB962C8B-B14F-4D97-AF65-F5344CB8AC3E}">
+        <p14:creationId xmlns:p14="http://schemas.microsoft.com/office/powerpoint/2010/main" val="3037733298"/>
+      </p:ext>
+    </p:extLst>
+  </p:cSld>
+  <p:clrMapOvr>
+    <a:masterClrMapping/>
+  </p:clrMapOvr>
+</p:sld>
+</file>
+
+<file path=ppt/slides/slide20.xml><?xml version="1.0" encoding="utf-8"?>
+<p:sld xmlns:a="http://schemas.openxmlformats.org/drawingml/2006/main" xmlns:r="http://schemas.openxmlformats.org/officeDocument/2006/relationships" xmlns:p="http://schemas.openxmlformats.org/presentationml/2006/main">
+  <p:cSld>
+    <p:spTree>
+      <p:nvGrpSpPr>
+        <p:cNvPr id="1" name=""/>
+        <p:cNvGrpSpPr/>
+        <p:nvPr/>
+      </p:nvGrpSpPr>
+      <p:grpSpPr>
+        <a:xfrm>
+          <a:off x="0" y="0"/>
+          <a:ext cx="0" cy="0"/>
+          <a:chOff x="0" y="0"/>
+          <a:chExt cx="0" cy="0"/>
+        </a:xfrm>
+      </p:grpSpPr>
+      <p:sp>
+        <p:nvSpPr>
+          <p:cNvPr id="5" name="Rectangle 4">
+            <a:extLst>
+              <a:ext uri="{FF2B5EF4-FFF2-40B4-BE49-F238E27FC236}">
+                <a16:creationId xmlns:a16="http://schemas.microsoft.com/office/drawing/2014/main" id="{8E72B5E6-4395-58B4-43D8-FE408C5586FF}"/>
+              </a:ext>
+            </a:extLst>
+          </p:cNvPr>
+          <p:cNvSpPr/>
+          <p:nvPr/>
+        </p:nvSpPr>
+        <p:spPr>
+          <a:xfrm>
+            <a:off x="0" y="2305"/>
+            <a:ext cx="12223669" cy="6855695"/>
+          </a:xfrm>
+          <a:prstGeom prst="rect">
+            <a:avLst/>
+          </a:prstGeom>
+          <a:solidFill>
+            <a:schemeClr val="tx1"/>
+          </a:solidFill>
+          <a:ln>
+            <a:noFill/>
+          </a:ln>
+        </p:spPr>
+        <p:style>
+          <a:lnRef idx="2">
+            <a:schemeClr val="accent1">
+              <a:shade val="50000"/>
+            </a:schemeClr>
+          </a:lnRef>
+          <a:fillRef idx="1">
+            <a:schemeClr val="accent1"/>
+          </a:fillRef>
+          <a:effectRef idx="0">
+            <a:schemeClr val="accent1"/>
+          </a:effectRef>
+          <a:fontRef idx="minor">
+            <a:schemeClr val="lt1"/>
+          </a:fontRef>
+        </p:style>
+        <p:txBody>
+          <a:bodyPr rtlCol="0" anchor="ctr"/>
+          <a:lstStyle/>
+          <a:p>
+            <a:pPr algn="ctr"/>
+            <a:r>
+              <a:rPr lang="en-US" dirty="0"/>
+              <a:t>now let’s see it in action.</a:t>
+            </a:r>
+            <a:endParaRPr lang="en-US" b="1" dirty="0"/>
+          </a:p>
+        </p:txBody>
+      </p:sp>
+    </p:spTree>
+    <p:extLst>
+      <p:ext uri="{BB962C8B-B14F-4D97-AF65-F5344CB8AC3E}">
+        <p14:creationId xmlns:p14="http://schemas.microsoft.com/office/powerpoint/2010/main" val="1320673354"/>
+      </p:ext>
+    </p:extLst>
+  </p:cSld>
+  <p:clrMapOvr>
+    <a:masterClrMapping/>
+  </p:clrMapOvr>
+</p:sld>
+</file>
+
+<file path=ppt/slides/slide21.xml><?xml version="1.0" encoding="utf-8"?>
+<p:sld xmlns:a="http://schemas.openxmlformats.org/drawingml/2006/main" xmlns:r="http://schemas.openxmlformats.org/officeDocument/2006/relationships" xmlns:p="http://schemas.openxmlformats.org/presentationml/2006/main">
+  <p:cSld>
+    <p:spTree>
+      <p:nvGrpSpPr>
+        <p:cNvPr id="1" name=""/>
+        <p:cNvGrpSpPr/>
+        <p:nvPr/>
+      </p:nvGrpSpPr>
+      <p:grpSpPr>
+        <a:xfrm>
+          <a:off x="0" y="0"/>
+          <a:ext cx="0" cy="0"/>
+          <a:chOff x="0" y="0"/>
+          <a:chExt cx="0" cy="0"/>
+        </a:xfrm>
+      </p:grpSpPr>
+      <p:sp>
+        <p:nvSpPr>
+          <p:cNvPr id="2" name="Title 1">
+            <a:extLst>
+              <a:ext uri="{FF2B5EF4-FFF2-40B4-BE49-F238E27FC236}">
+                <a16:creationId xmlns:a16="http://schemas.microsoft.com/office/drawing/2014/main" id="{00CF816A-99D2-8366-5D03-5486DF4070DF}"/>
+              </a:ext>
+            </a:extLst>
+          </p:cNvPr>
+          <p:cNvSpPr>
+            <a:spLocks noGrp="1"/>
+          </p:cNvSpPr>
+          <p:nvPr>
+            <p:ph type="title"/>
+          </p:nvPr>
+        </p:nvSpPr>
+        <p:spPr/>
+        <p:txBody>
+          <a:bodyPr/>
+          <a:lstStyle/>
+          <a:p>
+            <a:pPr algn="ctr"/>
+            <a:r>
+              <a:rPr lang="en-US" dirty="0"/>
+              <a:t> </a:t>
+            </a:r>
+          </a:p>
+        </p:txBody>
+      </p:sp>
+      <p:sp>
+        <p:nvSpPr>
+          <p:cNvPr id="3" name="Content Placeholder 2">
+            <a:extLst>
+              <a:ext uri="{FF2B5EF4-FFF2-40B4-BE49-F238E27FC236}">
+                <a16:creationId xmlns:a16="http://schemas.microsoft.com/office/drawing/2014/main" id="{FC5462E9-F99B-2D41-35ED-403C090C9698}"/>
+              </a:ext>
+            </a:extLst>
+          </p:cNvPr>
+          <p:cNvSpPr>
+            <a:spLocks noGrp="1"/>
+          </p:cNvSpPr>
+          <p:nvPr>
+            <p:ph idx="1"/>
+          </p:nvPr>
+        </p:nvSpPr>
+        <p:spPr>
+          <a:xfrm>
+            <a:off x="914399" y="1371600"/>
+            <a:ext cx="10363200" cy="4570229"/>
+          </a:xfrm>
+        </p:spPr>
+        <p:txBody>
+          <a:bodyPr/>
+          <a:lstStyle/>
+          <a:p>
+            <a:r>
+              <a:rPr lang="en-US" dirty="0"/>
+              <a:t>Dungeons is a web-based application modeled off the popular board game “Dungeons &amp; Dragons”.</a:t>
+            </a:r>
+          </a:p>
+          <a:p>
+            <a:r>
+              <a:rPr lang="en-US" dirty="0"/>
+              <a:t>The game prompts the user for an input of a story that the game will be based around moving forwards.</a:t>
+            </a:r>
+          </a:p>
+          <a:p>
+            <a:r>
+              <a:rPr lang="en-US" dirty="0"/>
+              <a:t>Your </a:t>
+            </a:r>
+            <a:r>
+              <a:rPr lang="en-US" b="1" dirty="0"/>
+              <a:t>skills</a:t>
+            </a:r>
+            <a:r>
+              <a:rPr lang="en-US" dirty="0"/>
+              <a:t>, </a:t>
+            </a:r>
+            <a:r>
+              <a:rPr lang="en-US" b="1" dirty="0"/>
+              <a:t>health</a:t>
+            </a:r>
+            <a:r>
+              <a:rPr lang="en-US" dirty="0"/>
+              <a:t>, and </a:t>
+            </a:r>
+            <a:r>
+              <a:rPr lang="en-US" b="1" dirty="0"/>
+              <a:t>enemies</a:t>
+            </a:r>
+            <a:r>
+              <a:rPr lang="en-US" dirty="0"/>
+              <a:t> are then generated within our application.</a:t>
+            </a:r>
+          </a:p>
+          <a:p>
+            <a:r>
+              <a:rPr lang="en-US" dirty="0"/>
+              <a:t>You are presented by enemy after enemy and are given the ability to either </a:t>
+            </a:r>
+            <a:r>
+              <a:rPr lang="en-US" b="1" dirty="0"/>
+              <a:t>attack</a:t>
+            </a:r>
+            <a:r>
+              <a:rPr lang="en-US" dirty="0"/>
+              <a:t>, </a:t>
+            </a:r>
+            <a:r>
+              <a:rPr lang="en-US" b="1" dirty="0"/>
+              <a:t>negotiate</a:t>
+            </a:r>
+            <a:r>
+              <a:rPr lang="en-US" dirty="0"/>
+              <a:t>, or </a:t>
+            </a:r>
+            <a:r>
+              <a:rPr lang="en-US" b="1" dirty="0"/>
+              <a:t>retreat</a:t>
+            </a:r>
+            <a:r>
+              <a:rPr lang="en-US" dirty="0"/>
+              <a:t>.</a:t>
+            </a:r>
+          </a:p>
+        </p:txBody>
+      </p:sp>
+    </p:spTree>
+    <p:extLst>
+      <p:ext uri="{BB962C8B-B14F-4D97-AF65-F5344CB8AC3E}">
+        <p14:creationId xmlns:p14="http://schemas.microsoft.com/office/powerpoint/2010/main" val="3920809854"/>
+      </p:ext>
+    </p:extLst>
+  </p:cSld>
+  <p:clrMapOvr>
+    <a:masterClrMapping/>
+  </p:clrMapOvr>
+</p:sld>
+</file>
+
+<file path=ppt/slides/slide22.xml><?xml version="1.0" encoding="utf-8"?>
+<p:sld xmlns:a="http://schemas.openxmlformats.org/drawingml/2006/main" xmlns:r="http://schemas.openxmlformats.org/officeDocument/2006/relationships" xmlns:p="http://schemas.openxmlformats.org/presentationml/2006/main">
+  <p:cSld>
+    <p:spTree>
+      <p:nvGrpSpPr>
+        <p:cNvPr id="1" name=""/>
+        <p:cNvGrpSpPr/>
+        <p:nvPr/>
+      </p:nvGrpSpPr>
+      <p:grpSpPr>
+        <a:xfrm>
+          <a:off x="0" y="0"/>
+          <a:ext cx="0" cy="0"/>
+          <a:chOff x="0" y="0"/>
+          <a:chExt cx="0" cy="0"/>
+        </a:xfrm>
+      </p:grpSpPr>
+      <p:sp>
+        <p:nvSpPr>
+          <p:cNvPr id="2" name="Title 1">
+            <a:extLst>
+              <a:ext uri="{FF2B5EF4-FFF2-40B4-BE49-F238E27FC236}">
+                <a16:creationId xmlns:a16="http://schemas.microsoft.com/office/drawing/2014/main" id="{9F365A0C-02CC-00B8-DD44-D6AB63E63141}"/>
+              </a:ext>
+            </a:extLst>
+          </p:cNvPr>
+          <p:cNvSpPr>
+            <a:spLocks noGrp="1"/>
+          </p:cNvSpPr>
+          <p:nvPr>
+            <p:ph type="title"/>
+          </p:nvPr>
+        </p:nvSpPr>
+        <p:spPr/>
+        <p:txBody>
+          <a:bodyPr/>
+          <a:lstStyle/>
+          <a:p>
+            <a:r>
+              <a:rPr lang="en-US" dirty="0"/>
+              <a:t>TECHNOLOGIES USED</a:t>
+            </a:r>
+          </a:p>
+        </p:txBody>
+      </p:sp>
+      <p:sp>
+        <p:nvSpPr>
+          <p:cNvPr id="3" name="Content Placeholder 2">
+            <a:extLst>
+              <a:ext uri="{FF2B5EF4-FFF2-40B4-BE49-F238E27FC236}">
+                <a16:creationId xmlns:a16="http://schemas.microsoft.com/office/drawing/2014/main" id="{5871E551-3C0E-E3A5-8BB1-8DB86CB1A54C}"/>
+              </a:ext>
+            </a:extLst>
+          </p:cNvPr>
+          <p:cNvSpPr>
+            <a:spLocks noGrp="1"/>
+          </p:cNvSpPr>
+          <p:nvPr>
+            <p:ph idx="1"/>
+          </p:nvPr>
+        </p:nvSpPr>
+        <p:spPr/>
+        <p:txBody>
+          <a:bodyPr/>
+          <a:lstStyle/>
+          <a:p>
+            <a:r>
+              <a:rPr lang="en-US" dirty="0"/>
+              <a:t>JAVASCRIPT/HTML/CSS</a:t>
+            </a:r>
+          </a:p>
+          <a:p>
+            <a:r>
+              <a:rPr lang="en-US" dirty="0"/>
+              <a:t>REACT.JS</a:t>
+            </a:r>
+          </a:p>
+          <a:p>
+            <a:r>
+              <a:rPr lang="en-US" dirty="0"/>
+              <a:t>NODE.JS</a:t>
+            </a:r>
+          </a:p>
+          <a:p>
+            <a:r>
+              <a:rPr lang="en-US" dirty="0"/>
+              <a:t>NLP( Natural language Processing )</a:t>
+            </a:r>
+          </a:p>
+          <a:p>
+            <a:r>
+              <a:rPr lang="en-US" dirty="0"/>
+              <a:t>GIT/GITHUB( Project </a:t>
+            </a:r>
+            <a:r>
+              <a:rPr lang="en-US" dirty="0" err="1"/>
+              <a:t>Orginization</a:t>
+            </a:r>
+            <a:r>
+              <a:rPr lang="en-US" dirty="0"/>
+              <a:t>/ Collaboration)</a:t>
+            </a:r>
+          </a:p>
+          <a:p>
+            <a:endParaRPr lang="en-US" dirty="0"/>
+          </a:p>
+          <a:p>
+            <a:endParaRPr lang="en-US" dirty="0"/>
+          </a:p>
+        </p:txBody>
+      </p:sp>
+    </p:spTree>
+    <p:extLst>
+      <p:ext uri="{BB962C8B-B14F-4D97-AF65-F5344CB8AC3E}">
+        <p14:creationId xmlns:p14="http://schemas.microsoft.com/office/powerpoint/2010/main" val="771353384"/>
+      </p:ext>
+    </p:extLst>
+  </p:cSld>
+  <p:clrMapOvr>
+    <a:masterClrMapping/>
+  </p:clrMapOvr>
+</p:sld>
+</file>
+
+<file path=ppt/slides/slide23.xml><?xml version="1.0" encoding="utf-8"?>
+<p:sld xmlns:a="http://schemas.openxmlformats.org/drawingml/2006/main" xmlns:r="http://schemas.openxmlformats.org/officeDocument/2006/relationships" xmlns:p="http://schemas.openxmlformats.org/presentationml/2006/main">
+  <p:cSld>
+    <p:spTree>
+      <p:nvGrpSpPr>
+        <p:cNvPr id="1" name=""/>
+        <p:cNvGrpSpPr/>
+        <p:nvPr/>
+      </p:nvGrpSpPr>
+      <p:grpSpPr>
+        <a:xfrm>
+          <a:off x="0" y="0"/>
+          <a:ext cx="0" cy="0"/>
+          <a:chOff x="0" y="0"/>
+          <a:chExt cx="0" cy="0"/>
+        </a:xfrm>
+      </p:grpSpPr>
+      <p:sp>
+        <p:nvSpPr>
+          <p:cNvPr id="2" name="Title 1">
+            <a:extLst>
+              <a:ext uri="{FF2B5EF4-FFF2-40B4-BE49-F238E27FC236}">
+                <a16:creationId xmlns:a16="http://schemas.microsoft.com/office/drawing/2014/main" id="{9F365A0C-02CC-00B8-DD44-D6AB63E63141}"/>
+              </a:ext>
+            </a:extLst>
+          </p:cNvPr>
+          <p:cNvSpPr>
+            <a:spLocks noGrp="1"/>
+          </p:cNvSpPr>
+          <p:nvPr>
+            <p:ph type="title"/>
+          </p:nvPr>
+        </p:nvSpPr>
+        <p:spPr/>
+        <p:txBody>
+          <a:bodyPr/>
+          <a:lstStyle/>
+          <a:p>
+            <a:r>
+              <a:rPr lang="en-US" dirty="0"/>
+              <a:t>ML &amp; NLP</a:t>
+            </a:r>
+          </a:p>
+        </p:txBody>
+      </p:sp>
+      <p:sp>
+        <p:nvSpPr>
+          <p:cNvPr id="3" name="Content Placeholder 2">
+            <a:extLst>
+              <a:ext uri="{FF2B5EF4-FFF2-40B4-BE49-F238E27FC236}">
+                <a16:creationId xmlns:a16="http://schemas.microsoft.com/office/drawing/2014/main" id="{5871E551-3C0E-E3A5-8BB1-8DB86CB1A54C}"/>
+              </a:ext>
+            </a:extLst>
+          </p:cNvPr>
+          <p:cNvSpPr>
+            <a:spLocks noGrp="1"/>
+          </p:cNvSpPr>
+          <p:nvPr>
+            <p:ph idx="1"/>
+          </p:nvPr>
+        </p:nvSpPr>
+        <p:spPr/>
+        <p:txBody>
+          <a:bodyPr/>
+          <a:lstStyle/>
+          <a:p>
+            <a:r>
+              <a:rPr lang="en-US" dirty="0"/>
+              <a:t>NATURAL.JS Natural Language Processor:</a:t>
+            </a:r>
+          </a:p>
+          <a:p>
+            <a:pPr marL="560070" lvl="1" indent="-285750">
+              <a:buFontTx/>
+              <a:buChar char="-"/>
+            </a:pPr>
+            <a:r>
+              <a:rPr lang="en-US" dirty="0"/>
+              <a:t>Classifying Words</a:t>
+            </a:r>
+          </a:p>
+          <a:p>
+            <a:pPr marL="560070" lvl="1" indent="-285750">
+              <a:buFontTx/>
+              <a:buChar char="-"/>
+            </a:pPr>
+            <a:r>
+              <a:rPr lang="en-US" dirty="0"/>
+              <a:t>Detecting ‘filler’ Words</a:t>
+            </a:r>
+          </a:p>
+          <a:p>
+            <a:r>
+              <a:rPr lang="en-US" dirty="0"/>
+              <a:t>DALLE-e </a:t>
+            </a:r>
+            <a:r>
+              <a:rPr lang="en-US" dirty="0" err="1"/>
+              <a:t>MiNi</a:t>
+            </a:r>
+            <a:endParaRPr lang="en-US" dirty="0"/>
+          </a:p>
+          <a:p>
+            <a:pPr lvl="1"/>
+            <a:r>
+              <a:rPr lang="en-US" dirty="0"/>
+              <a:t>- Generate Images from the provided text to enhance gameplay</a:t>
+            </a:r>
+          </a:p>
+        </p:txBody>
+      </p:sp>
+    </p:spTree>
+    <p:extLst>
+      <p:ext uri="{BB962C8B-B14F-4D97-AF65-F5344CB8AC3E}">
+        <p14:creationId xmlns:p14="http://schemas.microsoft.com/office/powerpoint/2010/main" val="4273365875"/>
+      </p:ext>
+    </p:extLst>
+  </p:cSld>
+  <p:clrMapOvr>
+    <a:masterClrMapping/>
+  </p:clrMapOvr>
+</p:sld>
+</file>
+
+<file path=ppt/slides/slide24.xml><?xml version="1.0" encoding="utf-8"?>
+<p:sld xmlns:a="http://schemas.openxmlformats.org/drawingml/2006/main" xmlns:r="http://schemas.openxmlformats.org/officeDocument/2006/relationships" xmlns:p="http://schemas.openxmlformats.org/presentationml/2006/main">
+  <p:cSld>
+    <p:spTree>
+      <p:nvGrpSpPr>
+        <p:cNvPr id="1" name=""/>
+        <p:cNvGrpSpPr/>
+        <p:nvPr/>
+      </p:nvGrpSpPr>
+      <p:grpSpPr>
+        <a:xfrm>
+          <a:off x="0" y="0"/>
+          <a:ext cx="0" cy="0"/>
+          <a:chOff x="0" y="0"/>
+          <a:chExt cx="0" cy="0"/>
+        </a:xfrm>
+      </p:grpSpPr>
+      <p:sp>
+        <p:nvSpPr>
+          <p:cNvPr id="2" name="Title 1">
+            <a:extLst>
+              <a:ext uri="{FF2B5EF4-FFF2-40B4-BE49-F238E27FC236}">
+                <a16:creationId xmlns:a16="http://schemas.microsoft.com/office/drawing/2014/main" id="{9F365A0C-02CC-00B8-DD44-D6AB63E63141}"/>
+              </a:ext>
+            </a:extLst>
+          </p:cNvPr>
+          <p:cNvSpPr>
+            <a:spLocks noGrp="1"/>
+          </p:cNvSpPr>
+          <p:nvPr>
+            <p:ph type="title"/>
+          </p:nvPr>
+        </p:nvSpPr>
+        <p:spPr/>
+        <p:txBody>
+          <a:bodyPr/>
+          <a:lstStyle/>
+          <a:p>
+            <a:r>
+              <a:rPr lang="en-US" dirty="0"/>
+              <a:t>Game Engine</a:t>
+            </a:r>
+          </a:p>
+        </p:txBody>
+      </p:sp>
+      <p:sp>
+        <p:nvSpPr>
+          <p:cNvPr id="3" name="Content Placeholder 2">
+            <a:extLst>
+              <a:ext uri="{FF2B5EF4-FFF2-40B4-BE49-F238E27FC236}">
+                <a16:creationId xmlns:a16="http://schemas.microsoft.com/office/drawing/2014/main" id="{5871E551-3C0E-E3A5-8BB1-8DB86CB1A54C}"/>
+              </a:ext>
+            </a:extLst>
+          </p:cNvPr>
+          <p:cNvSpPr>
+            <a:spLocks noGrp="1"/>
+          </p:cNvSpPr>
+          <p:nvPr>
+            <p:ph idx="1"/>
+          </p:nvPr>
+        </p:nvSpPr>
+        <p:spPr/>
+        <p:txBody>
+          <a:bodyPr/>
+          <a:lstStyle/>
+          <a:p>
+            <a:r>
+              <a:rPr lang="en-US" b="1" i="1" dirty="0"/>
+              <a:t>Dungeons</a:t>
+            </a:r>
+            <a:r>
+              <a:rPr lang="en-US" dirty="0"/>
+              <a:t> converts raw text in ‘Natural’ formatting to a classified style using </a:t>
+            </a:r>
+            <a:r>
+              <a:rPr lang="en-US" b="1" dirty="0"/>
+              <a:t>NLP (Natural)</a:t>
+            </a:r>
+            <a:r>
+              <a:rPr lang="en-US" dirty="0"/>
+              <a:t>.</a:t>
+            </a:r>
+          </a:p>
+          <a:p>
+            <a:r>
+              <a:rPr lang="en-US" dirty="0"/>
+              <a:t>The Engine converts and formats the classified data into modifiable objects that can be used and manipulated through gameplay.</a:t>
+            </a:r>
+          </a:p>
+        </p:txBody>
+      </p:sp>
+    </p:spTree>
+    <p:extLst>
+      <p:ext uri="{BB962C8B-B14F-4D97-AF65-F5344CB8AC3E}">
+        <p14:creationId xmlns:p14="http://schemas.microsoft.com/office/powerpoint/2010/main" val="2201292608"/>
+      </p:ext>
+    </p:extLst>
+  </p:cSld>
+  <p:clrMapOvr>
+    <a:masterClrMapping/>
+  </p:clrMapOvr>
+</p:sld>
+</file>
+
+<file path=ppt/slides/slide25.xml><?xml version="1.0" encoding="utf-8"?>
+<p:sld xmlns:a="http://schemas.openxmlformats.org/drawingml/2006/main" xmlns:r="http://schemas.openxmlformats.org/officeDocument/2006/relationships" xmlns:p="http://schemas.openxmlformats.org/presentationml/2006/main">
+  <p:cSld>
+    <p:spTree>
+      <p:nvGrpSpPr>
+        <p:cNvPr id="1" name=""/>
+        <p:cNvGrpSpPr/>
+        <p:nvPr/>
+      </p:nvGrpSpPr>
+      <p:grpSpPr>
+        <a:xfrm>
+          <a:off x="0" y="0"/>
+          <a:ext cx="0" cy="0"/>
+          <a:chOff x="0" y="0"/>
+          <a:chExt cx="0" cy="0"/>
+        </a:xfrm>
+      </p:grpSpPr>
+      <p:sp>
+        <p:nvSpPr>
           <p:cNvPr id="2" name="Title 1">
             <a:extLst>
               <a:ext uri="{FF2B5EF4-FFF2-40B4-BE49-F238E27FC236}">
@@ -4713,50 +6209,6 @@
       </p:cxnSp>
       <p:cxnSp>
         <p:nvCxnSpPr>
-          <p:cNvPr id="18" name="Straight Arrow Connector 17">
-            <a:extLst>
-              <a:ext uri="{FF2B5EF4-FFF2-40B4-BE49-F238E27FC236}">
-                <a16:creationId xmlns:a16="http://schemas.microsoft.com/office/drawing/2014/main" id="{C61A3556-0130-5572-37B2-FE6A3D9A297E}"/>
-              </a:ext>
-            </a:extLst>
-          </p:cNvPr>
-          <p:cNvCxnSpPr>
-            <a:cxnSpLocks/>
-          </p:cNvCxnSpPr>
-          <p:nvPr/>
-        </p:nvCxnSpPr>
-        <p:spPr>
-          <a:xfrm>
-            <a:off x="6657975" y="2964675"/>
-            <a:ext cx="1159664" cy="0"/>
-          </a:xfrm>
-          <a:prstGeom prst="straightConnector1">
-            <a:avLst/>
-          </a:prstGeom>
-          <a:ln w="88900">
-            <a:solidFill>
-              <a:schemeClr val="tx1"/>
-            </a:solidFill>
-            <a:tailEnd type="triangle"/>
-          </a:ln>
-        </p:spPr>
-        <p:style>
-          <a:lnRef idx="1">
-            <a:schemeClr val="accent1"/>
-          </a:lnRef>
-          <a:fillRef idx="0">
-            <a:schemeClr val="accent1"/>
-          </a:fillRef>
-          <a:effectRef idx="0">
-            <a:schemeClr val="accent1"/>
-          </a:effectRef>
-          <a:fontRef idx="minor">
-            <a:schemeClr val="tx1"/>
-          </a:fontRef>
-        </p:style>
-      </p:cxnSp>
-      <p:cxnSp>
-        <p:nvCxnSpPr>
           <p:cNvPr id="20" name="Straight Arrow Connector 19">
             <a:extLst>
               <a:ext uri="{FF2B5EF4-FFF2-40B4-BE49-F238E27FC236}">
@@ -4861,6 +6313,94 @@
           <a:xfrm>
             <a:off x="10032197" y="1963952"/>
             <a:ext cx="0" cy="407788"/>
+          </a:xfrm>
+          <a:prstGeom prst="straightConnector1">
+            <a:avLst/>
+          </a:prstGeom>
+          <a:ln w="88900">
+            <a:solidFill>
+              <a:schemeClr val="tx1"/>
+            </a:solidFill>
+            <a:tailEnd type="triangle"/>
+          </a:ln>
+        </p:spPr>
+        <p:style>
+          <a:lnRef idx="1">
+            <a:schemeClr val="accent1"/>
+          </a:lnRef>
+          <a:fillRef idx="0">
+            <a:schemeClr val="accent1"/>
+          </a:fillRef>
+          <a:effectRef idx="0">
+            <a:schemeClr val="accent1"/>
+          </a:effectRef>
+          <a:fontRef idx="minor">
+            <a:schemeClr val="tx1"/>
+          </a:fontRef>
+        </p:style>
+      </p:cxnSp>
+      <p:cxnSp>
+        <p:nvCxnSpPr>
+          <p:cNvPr id="30" name="Straight Arrow Connector 29">
+            <a:extLst>
+              <a:ext uri="{FF2B5EF4-FFF2-40B4-BE49-F238E27FC236}">
+                <a16:creationId xmlns:a16="http://schemas.microsoft.com/office/drawing/2014/main" id="{4CB69DD1-998D-38E2-7FD6-C920C4FD7268}"/>
+              </a:ext>
+            </a:extLst>
+          </p:cNvPr>
+          <p:cNvCxnSpPr>
+            <a:cxnSpLocks/>
+          </p:cNvCxnSpPr>
+          <p:nvPr/>
+        </p:nvCxnSpPr>
+        <p:spPr>
+          <a:xfrm>
+            <a:off x="6469852" y="2809859"/>
+            <a:ext cx="1347787" cy="0"/>
+          </a:xfrm>
+          <a:prstGeom prst="straightConnector1">
+            <a:avLst/>
+          </a:prstGeom>
+          <a:ln w="88900">
+            <a:solidFill>
+              <a:schemeClr val="tx1"/>
+            </a:solidFill>
+            <a:tailEnd type="triangle"/>
+          </a:ln>
+        </p:spPr>
+        <p:style>
+          <a:lnRef idx="1">
+            <a:schemeClr val="accent1"/>
+          </a:lnRef>
+          <a:fillRef idx="0">
+            <a:schemeClr val="accent1"/>
+          </a:fillRef>
+          <a:effectRef idx="0">
+            <a:schemeClr val="accent1"/>
+          </a:effectRef>
+          <a:fontRef idx="minor">
+            <a:schemeClr val="tx1"/>
+          </a:fontRef>
+        </p:style>
+      </p:cxnSp>
+      <p:cxnSp>
+        <p:nvCxnSpPr>
+          <p:cNvPr id="31" name="Straight Arrow Connector 30">
+            <a:extLst>
+              <a:ext uri="{FF2B5EF4-FFF2-40B4-BE49-F238E27FC236}">
+                <a16:creationId xmlns:a16="http://schemas.microsoft.com/office/drawing/2014/main" id="{342B8D91-E93C-F7DF-15EC-BA1566BCED72}"/>
+              </a:ext>
+            </a:extLst>
+          </p:cNvPr>
+          <p:cNvCxnSpPr>
+            <a:cxnSpLocks/>
+          </p:cNvCxnSpPr>
+          <p:nvPr/>
+        </p:nvCxnSpPr>
+        <p:spPr>
+          <a:xfrm flipH="1">
+            <a:off x="6834189" y="3178935"/>
+            <a:ext cx="1472794" cy="0"/>
           </a:xfrm>
           <a:prstGeom prst="straightConnector1">
             <a:avLst/>
@@ -4900,7 +6440,7 @@
 </p:sld>
 </file>
 
-<file path=ppt/slides/slide15.xml><?xml version="1.0" encoding="utf-8"?>
+<file path=ppt/slides/slide26.xml><?xml version="1.0" encoding="utf-8"?>
 <p:sld xmlns:a="http://schemas.openxmlformats.org/drawingml/2006/main" xmlns:r="http://schemas.openxmlformats.org/officeDocument/2006/relationships" xmlns:p="http://schemas.openxmlformats.org/presentationml/2006/main">
   <p:cSld>
     <p:spTree>
@@ -4995,264 +6535,6 @@
     <p:extLst>
       <p:ext uri="{BB962C8B-B14F-4D97-AF65-F5344CB8AC3E}">
         <p14:creationId xmlns:p14="http://schemas.microsoft.com/office/powerpoint/2010/main" val="1978977809"/>
-      </p:ext>
-    </p:extLst>
-  </p:cSld>
-  <p:clrMapOvr>
-    <a:masterClrMapping/>
-  </p:clrMapOvr>
-</p:sld>
-</file>
-
-<file path=ppt/slides/slide2.xml><?xml version="1.0" encoding="utf-8"?>
-<p:sld xmlns:a="http://schemas.openxmlformats.org/drawingml/2006/main" xmlns:r="http://schemas.openxmlformats.org/officeDocument/2006/relationships" xmlns:p="http://schemas.openxmlformats.org/presentationml/2006/main">
-  <p:cSld>
-    <p:spTree>
-      <p:nvGrpSpPr>
-        <p:cNvPr id="1" name=""/>
-        <p:cNvGrpSpPr/>
-        <p:nvPr/>
-      </p:nvGrpSpPr>
-      <p:grpSpPr>
-        <a:xfrm>
-          <a:off x="0" y="0"/>
-          <a:ext cx="0" cy="0"/>
-          <a:chOff x="0" y="0"/>
-          <a:chExt cx="0" cy="0"/>
-        </a:xfrm>
-      </p:grpSpPr>
-      <p:sp>
-        <p:nvSpPr>
-          <p:cNvPr id="6" name="Rectangle 5">
-            <a:extLst>
-              <a:ext uri="{FF2B5EF4-FFF2-40B4-BE49-F238E27FC236}">
-                <a16:creationId xmlns:a16="http://schemas.microsoft.com/office/drawing/2014/main" id="{B0D80FFD-2498-C45A-8DA6-FBDB55367C3A}"/>
-              </a:ext>
-            </a:extLst>
-          </p:cNvPr>
-          <p:cNvSpPr/>
-          <p:nvPr/>
-        </p:nvSpPr>
-        <p:spPr>
-          <a:xfrm>
-            <a:off x="-1" y="2755300"/>
-            <a:ext cx="12223669" cy="4100394"/>
-          </a:xfrm>
-          <a:prstGeom prst="rect">
-            <a:avLst/>
-          </a:prstGeom>
-          <a:solidFill>
-            <a:srgbClr val="243532"/>
-          </a:solidFill>
-          <a:ln>
-            <a:noFill/>
-          </a:ln>
-        </p:spPr>
-        <p:style>
-          <a:lnRef idx="2">
-            <a:schemeClr val="accent1">
-              <a:shade val="50000"/>
-            </a:schemeClr>
-          </a:lnRef>
-          <a:fillRef idx="1">
-            <a:schemeClr val="accent1"/>
-          </a:fillRef>
-          <a:effectRef idx="0">
-            <a:schemeClr val="accent1"/>
-          </a:effectRef>
-          <a:fontRef idx="minor">
-            <a:schemeClr val="lt1"/>
-          </a:fontRef>
-        </p:style>
-        <p:txBody>
-          <a:bodyPr rtlCol="0" anchor="ctr"/>
-          <a:lstStyle/>
-          <a:p>
-            <a:pPr algn="ctr"/>
-            <a:endParaRPr lang="en-US" dirty="0"/>
-          </a:p>
-        </p:txBody>
-      </p:sp>
-      <p:sp>
-        <p:nvSpPr>
-          <p:cNvPr id="5" name="Rectangle 4">
-            <a:extLst>
-              <a:ext uri="{FF2B5EF4-FFF2-40B4-BE49-F238E27FC236}">
-                <a16:creationId xmlns:a16="http://schemas.microsoft.com/office/drawing/2014/main" id="{8E72B5E6-4395-58B4-43D8-FE408C5586FF}"/>
-              </a:ext>
-            </a:extLst>
-          </p:cNvPr>
-          <p:cNvSpPr/>
-          <p:nvPr/>
-        </p:nvSpPr>
-        <p:spPr>
-          <a:xfrm>
-            <a:off x="0" y="2306"/>
-            <a:ext cx="12223669" cy="2767400"/>
-          </a:xfrm>
-          <a:prstGeom prst="rect">
-            <a:avLst/>
-          </a:prstGeom>
-          <a:solidFill>
-            <a:schemeClr val="tx1"/>
-          </a:solidFill>
-          <a:ln>
-            <a:noFill/>
-          </a:ln>
-        </p:spPr>
-        <p:style>
-          <a:lnRef idx="2">
-            <a:schemeClr val="accent1">
-              <a:shade val="50000"/>
-            </a:schemeClr>
-          </a:lnRef>
-          <a:fillRef idx="1">
-            <a:schemeClr val="accent1"/>
-          </a:fillRef>
-          <a:effectRef idx="0">
-            <a:schemeClr val="accent1"/>
-          </a:effectRef>
-          <a:fontRef idx="minor">
-            <a:schemeClr val="lt1"/>
-          </a:fontRef>
-        </p:style>
-        <p:txBody>
-          <a:bodyPr rtlCol="0" anchor="ctr"/>
-          <a:lstStyle/>
-          <a:p>
-            <a:pPr algn="ctr"/>
-            <a:endParaRPr lang="en-US" dirty="0"/>
-          </a:p>
-        </p:txBody>
-      </p:sp>
-      <p:sp>
-        <p:nvSpPr>
-          <p:cNvPr id="2" name="Title 1">
-            <a:extLst>
-              <a:ext uri="{FF2B5EF4-FFF2-40B4-BE49-F238E27FC236}">
-                <a16:creationId xmlns:a16="http://schemas.microsoft.com/office/drawing/2014/main" id="{00CF816A-99D2-8366-5D03-5486DF4070DF}"/>
-              </a:ext>
-            </a:extLst>
-          </p:cNvPr>
-          <p:cNvSpPr>
-            <a:spLocks noGrp="1"/>
-          </p:cNvSpPr>
-          <p:nvPr>
-            <p:ph type="title"/>
-          </p:nvPr>
-        </p:nvSpPr>
-        <p:spPr>
-          <a:noFill/>
-        </p:spPr>
-        <p:txBody>
-          <a:bodyPr/>
-          <a:lstStyle/>
-          <a:p>
-            <a:pPr algn="ctr"/>
-            <a:r>
-              <a:rPr lang="en-US" sz="6600" dirty="0">
-                <a:solidFill>
-                  <a:schemeClr val="bg1"/>
-                </a:solidFill>
-              </a:rPr>
-              <a:t>DUNGEONS</a:t>
-            </a:r>
-            <a:r>
-              <a:rPr lang="en-US" dirty="0">
-                <a:solidFill>
-                  <a:schemeClr val="bg1"/>
-                </a:solidFill>
-              </a:rPr>
-              <a:t> </a:t>
-            </a:r>
-          </a:p>
-        </p:txBody>
-      </p:sp>
-      <p:sp>
-        <p:nvSpPr>
-          <p:cNvPr id="10" name="Title 1">
-            <a:extLst>
-              <a:ext uri="{FF2B5EF4-FFF2-40B4-BE49-F238E27FC236}">
-                <a16:creationId xmlns:a16="http://schemas.microsoft.com/office/drawing/2014/main" id="{1F737538-5E65-762D-6D0E-D337AC934DE2}"/>
-              </a:ext>
-            </a:extLst>
-          </p:cNvPr>
-          <p:cNvSpPr txBox="1">
-            <a:spLocks/>
-          </p:cNvSpPr>
-          <p:nvPr/>
-        </p:nvSpPr>
-        <p:spPr>
-          <a:xfrm>
-            <a:off x="930233" y="3506888"/>
-            <a:ext cx="10363200" cy="1314443"/>
-          </a:xfrm>
-          <a:prstGeom prst="rect">
-            <a:avLst/>
-          </a:prstGeom>
-          <a:noFill/>
-        </p:spPr>
-        <p:txBody>
-          <a:bodyPr vert="horz" lIns="91440" tIns="45720" rIns="91440" bIns="45720" rtlCol="0" anchor="t">
-            <a:normAutofit/>
-          </a:bodyPr>
-          <a:lstStyle>
-            <a:lvl1pPr algn="l" defTabSz="914400" rtl="0" eaLnBrk="1" latinLnBrk="0" hangingPunct="1">
-              <a:lnSpc>
-                <a:spcPct val="100000"/>
-              </a:lnSpc>
-              <a:spcBef>
-                <a:spcPct val="0"/>
-              </a:spcBef>
-              <a:buNone/>
-              <a:defRPr sz="4000" kern="1200">
-                <a:solidFill>
-                  <a:schemeClr val="tx1"/>
-                </a:solidFill>
-                <a:latin typeface="+mj-lt"/>
-                <a:ea typeface="+mj-ea"/>
-                <a:cs typeface="+mj-cs"/>
-              </a:defRPr>
-            </a:lvl1pPr>
-          </a:lstStyle>
-          <a:p>
-            <a:pPr algn="ctr"/>
-            <a:r>
-              <a:rPr lang="en-US" sz="4800" dirty="0">
-                <a:solidFill>
-                  <a:schemeClr val="bg1"/>
-                </a:solidFill>
-              </a:rPr>
-              <a:t>WRITE IT </a:t>
-            </a:r>
-            <a:r>
-              <a:rPr lang="en-US" sz="4800" b="1" u="sng" dirty="0">
-                <a:solidFill>
-                  <a:schemeClr val="bg1"/>
-                </a:solidFill>
-              </a:rPr>
-              <a:t>AND</a:t>
-            </a:r>
-            <a:r>
-              <a:rPr lang="en-US" sz="4800" dirty="0">
-                <a:solidFill>
-                  <a:schemeClr val="bg1"/>
-                </a:solidFill>
-              </a:rPr>
-              <a:t> PLAY IT.</a:t>
-            </a:r>
-            <a:endParaRPr lang="en-US" sz="2800" dirty="0">
-              <a:solidFill>
-                <a:schemeClr val="bg1"/>
-              </a:solidFill>
-            </a:endParaRPr>
-          </a:p>
-        </p:txBody>
-      </p:sp>
-    </p:spTree>
-    <p:extLst>
-      <p:ext uri="{BB962C8B-B14F-4D97-AF65-F5344CB8AC3E}">
-        <p14:creationId xmlns:p14="http://schemas.microsoft.com/office/powerpoint/2010/main" val="3037733298"/>
       </p:ext>
     </p:extLst>
   </p:cSld>
@@ -6217,9 +7499,7 @@
             <a:avLst/>
           </a:prstGeom>
           <a:solidFill>
-            <a:schemeClr val="accent1">
-              <a:lumMod val="50000"/>
-            </a:schemeClr>
+            <a:srgbClr val="151213"/>
           </a:solidFill>
           <a:ln>
             <a:noFill/>
@@ -6923,9 +8203,7 @@
             <a:avLst/>
           </a:prstGeom>
           <a:solidFill>
-            <a:schemeClr val="accent1">
-              <a:lumMod val="50000"/>
-            </a:schemeClr>
+            <a:srgbClr val="222020"/>
           </a:solidFill>
           <a:ln>
             <a:noFill/>
@@ -7554,7 +8832,7 @@
             <a:avLst/>
           </a:prstGeom>
           <a:solidFill>
-            <a:srgbClr val="243532"/>
+            <a:srgbClr val="9EACB6"/>
           </a:solidFill>
           <a:ln>
             <a:noFill/>
@@ -7667,9 +8945,9 @@
             <a:avLst/>
           </a:prstGeom>
           <a:solidFill>
-            <a:schemeClr val="dk1">
+            <a:srgbClr val="C00000">
               <a:alpha val="70000"/>
-            </a:schemeClr>
+            </a:srgbClr>
           </a:solidFill>
           <a:effectLst>
             <a:outerShdw blurRad="50800" dist="38100" dir="5400000" algn="t" rotWithShape="0">
@@ -7784,7 +9062,14 @@
             <a:pPr algn="ctr"/>
             <a:r>
               <a:rPr lang="en-US" dirty="0"/>
-              <a:t>[SCREENSHOT]</a:t>
+              <a:t>5:46:12</a:t>
+            </a:r>
+          </a:p>
+          <a:p>
+            <a:pPr algn="ctr"/>
+            <a:r>
+              <a:rPr lang="en-US" b="1" dirty="0"/>
+              <a:t>but it didn’t work.</a:t>
             </a:r>
           </a:p>
         </p:txBody>
@@ -7792,7 +9077,7 @@
     </p:spTree>
     <p:extLst>
       <p:ext uri="{BB962C8B-B14F-4D97-AF65-F5344CB8AC3E}">
-        <p14:creationId xmlns:p14="http://schemas.microsoft.com/office/powerpoint/2010/main" val="2074318223"/>
+        <p14:creationId xmlns:p14="http://schemas.microsoft.com/office/powerpoint/2010/main" val="2233788198"/>
       </p:ext>
     </p:extLst>
   </p:cSld>

--- a/Presentation.pptx
+++ b/Presentation.pptx
@@ -8831,9 +8831,19 @@
           <a:prstGeom prst="rect">
             <a:avLst/>
           </a:prstGeom>
-          <a:solidFill>
-            <a:srgbClr val="9EACB6"/>
-          </a:solidFill>
+          <a:blipFill dpi="0" rotWithShape="1">
+            <a:blip r:embed="rId2">
+              <a:extLst>
+                <a:ext uri="{28A0092B-C50C-407E-A947-70E740481C1C}">
+                  <a14:useLocalDpi xmlns:a14="http://schemas.microsoft.com/office/drawing/2010/main" val="0"/>
+                </a:ext>
+              </a:extLst>
+            </a:blip>
+            <a:srcRect/>
+            <a:stretch>
+              <a:fillRect/>
+            </a:stretch>
+          </a:blipFill>
           <a:ln>
             <a:noFill/>
           </a:ln>
@@ -8944,11 +8954,19 @@
           <a:prstGeom prst="roundRect">
             <a:avLst/>
           </a:prstGeom>
-          <a:solidFill>
-            <a:srgbClr val="C00000">
-              <a:alpha val="70000"/>
-            </a:srgbClr>
-          </a:solidFill>
+          <a:blipFill dpi="0" rotWithShape="1">
+            <a:blip r:embed="rId3">
+              <a:extLst>
+                <a:ext uri="{28A0092B-C50C-407E-A947-70E740481C1C}">
+                  <a14:useLocalDpi xmlns:a14="http://schemas.microsoft.com/office/drawing/2010/main" val="0"/>
+                </a:ext>
+              </a:extLst>
+            </a:blip>
+            <a:srcRect/>
+            <a:stretch>
+              <a:fillRect/>
+            </a:stretch>
+          </a:blipFill>
           <a:effectLst>
             <a:outerShdw blurRad="50800" dist="38100" dir="5400000" algn="t" rotWithShape="0">
               <a:prstClr val="black">
